--- a/テレワークにおけるテレビ会議の改善.pptx
+++ b/テレワークにおけるテレビ会議の改善.pptx
@@ -217,7 +217,7 @@
           <a:p>
             <a:fld id="{3D2BE0AA-D665-4D6A-8867-8ADF0DED9271}" type="datetimeFigureOut">
               <a:rPr kumimoji="1" lang="ja-JP" altLang="en-US" smtClean="0"/>
-              <a:t>2020/7/21</a:t>
+              <a:t>2020/7/22</a:t>
             </a:fld>
             <a:endParaRPr kumimoji="1" lang="ja-JP" altLang="en-US"/>
           </a:p>
@@ -1208,7 +1208,7 @@
           <a:p>
             <a:fld id="{C841EE43-7B92-460A-B30E-520B486F8410}" type="datetimeFigureOut">
               <a:rPr kumimoji="1" lang="ja-JP" altLang="en-US" smtClean="0"/>
-              <a:t>2020/7/21</a:t>
+              <a:t>2020/7/22</a:t>
             </a:fld>
             <a:endParaRPr kumimoji="1" lang="ja-JP" altLang="en-US"/>
           </a:p>
@@ -1410,7 +1410,7 @@
           <a:p>
             <a:fld id="{C841EE43-7B92-460A-B30E-520B486F8410}" type="datetimeFigureOut">
               <a:rPr kumimoji="1" lang="ja-JP" altLang="en-US" smtClean="0"/>
-              <a:t>2020/7/21</a:t>
+              <a:t>2020/7/22</a:t>
             </a:fld>
             <a:endParaRPr kumimoji="1" lang="ja-JP" altLang="en-US"/>
           </a:p>
@@ -1622,7 +1622,7 @@
           <a:p>
             <a:fld id="{C841EE43-7B92-460A-B30E-520B486F8410}" type="datetimeFigureOut">
               <a:rPr kumimoji="1" lang="ja-JP" altLang="en-US" smtClean="0"/>
-              <a:t>2020/7/21</a:t>
+              <a:t>2020/7/22</a:t>
             </a:fld>
             <a:endParaRPr kumimoji="1" lang="ja-JP" altLang="en-US"/>
           </a:p>
@@ -1824,7 +1824,7 @@
           <a:p>
             <a:fld id="{C841EE43-7B92-460A-B30E-520B486F8410}" type="datetimeFigureOut">
               <a:rPr kumimoji="1" lang="ja-JP" altLang="en-US" smtClean="0"/>
-              <a:t>2020/7/21</a:t>
+              <a:t>2020/7/22</a:t>
             </a:fld>
             <a:endParaRPr kumimoji="1" lang="ja-JP" altLang="en-US"/>
           </a:p>
@@ -2070,7 +2070,7 @@
           <a:p>
             <a:fld id="{C841EE43-7B92-460A-B30E-520B486F8410}" type="datetimeFigureOut">
               <a:rPr kumimoji="1" lang="ja-JP" altLang="en-US" smtClean="0"/>
-              <a:t>2020/7/21</a:t>
+              <a:t>2020/7/22</a:t>
             </a:fld>
             <a:endParaRPr kumimoji="1" lang="ja-JP" altLang="en-US"/>
           </a:p>
@@ -2366,7 +2366,7 @@
           <a:p>
             <a:fld id="{C841EE43-7B92-460A-B30E-520B486F8410}" type="datetimeFigureOut">
               <a:rPr kumimoji="1" lang="ja-JP" altLang="en-US" smtClean="0"/>
-              <a:t>2020/7/21</a:t>
+              <a:t>2020/7/22</a:t>
             </a:fld>
             <a:endParaRPr kumimoji="1" lang="ja-JP" altLang="en-US"/>
           </a:p>
@@ -2797,7 +2797,7 @@
           <a:p>
             <a:fld id="{C841EE43-7B92-460A-B30E-520B486F8410}" type="datetimeFigureOut">
               <a:rPr kumimoji="1" lang="ja-JP" altLang="en-US" smtClean="0"/>
-              <a:t>2020/7/21</a:t>
+              <a:t>2020/7/22</a:t>
             </a:fld>
             <a:endParaRPr kumimoji="1" lang="ja-JP" altLang="en-US"/>
           </a:p>
@@ -2915,7 +2915,7 @@
           <a:p>
             <a:fld id="{C841EE43-7B92-460A-B30E-520B486F8410}" type="datetimeFigureOut">
               <a:rPr kumimoji="1" lang="ja-JP" altLang="en-US" smtClean="0"/>
-              <a:t>2020/7/21</a:t>
+              <a:t>2020/7/22</a:t>
             </a:fld>
             <a:endParaRPr kumimoji="1" lang="ja-JP" altLang="en-US"/>
           </a:p>
@@ -3010,7 +3010,7 @@
           <a:p>
             <a:fld id="{C841EE43-7B92-460A-B30E-520B486F8410}" type="datetimeFigureOut">
               <a:rPr kumimoji="1" lang="ja-JP" altLang="en-US" smtClean="0"/>
-              <a:t>2020/7/21</a:t>
+              <a:t>2020/7/22</a:t>
             </a:fld>
             <a:endParaRPr kumimoji="1" lang="ja-JP" altLang="en-US"/>
           </a:p>
@@ -3319,7 +3319,7 @@
           <a:p>
             <a:fld id="{C841EE43-7B92-460A-B30E-520B486F8410}" type="datetimeFigureOut">
               <a:rPr kumimoji="1" lang="ja-JP" altLang="en-US" smtClean="0"/>
-              <a:t>2020/7/21</a:t>
+              <a:t>2020/7/22</a:t>
             </a:fld>
             <a:endParaRPr kumimoji="1" lang="ja-JP" altLang="en-US"/>
           </a:p>
@@ -3572,7 +3572,7 @@
           <a:p>
             <a:fld id="{C841EE43-7B92-460A-B30E-520B486F8410}" type="datetimeFigureOut">
               <a:rPr kumimoji="1" lang="ja-JP" altLang="en-US" smtClean="0"/>
-              <a:t>2020/7/21</a:t>
+              <a:t>2020/7/22</a:t>
             </a:fld>
             <a:endParaRPr kumimoji="1" lang="ja-JP" altLang="en-US"/>
           </a:p>
@@ -3817,7 +3817,7 @@
           <a:p>
             <a:fld id="{C841EE43-7B92-460A-B30E-520B486F8410}" type="datetimeFigureOut">
               <a:rPr kumimoji="1" lang="ja-JP" altLang="en-US" smtClean="0"/>
-              <a:t>2020/7/21</a:t>
+              <a:t>2020/7/22</a:t>
             </a:fld>
             <a:endParaRPr kumimoji="1" lang="ja-JP" altLang="en-US"/>
           </a:p>
@@ -5354,7 +5354,7 @@
                             </p:stCondLst>
                             <p:childTnLst>
                               <p:par>
-                                <p:cTn id="20" presetID="10" presetClass="entr" presetSubtype="0" fill="hold" grpId="0" nodeType="clickEffect">
+                                <p:cTn id="20" presetID="10" presetClass="entr" presetSubtype="0" fill="hold" nodeType="clickEffect">
                                   <p:stCondLst>
                                     <p:cond delay="0"/>
                                   </p:stCondLst>
@@ -5362,6 +5362,49 @@
                                     <p:set>
                                       <p:cBhvr>
                                         <p:cTn id="21" dur="1" fill="hold">
+                                          <p:stCondLst>
+                                            <p:cond delay="0"/>
+                                          </p:stCondLst>
+                                        </p:cTn>
+                                        <p:tgtEl>
+                                          <p:spTgt spid="5">
+                                            <p:txEl>
+                                              <p:pRg st="0" end="0"/>
+                                            </p:txEl>
+                                          </p:spTgt>
+                                        </p:tgtEl>
+                                        <p:attrNameLst>
+                                          <p:attrName>style.visibility</p:attrName>
+                                        </p:attrNameLst>
+                                      </p:cBhvr>
+                                      <p:to>
+                                        <p:strVal val="visible"/>
+                                      </p:to>
+                                    </p:set>
+                                    <p:animEffect transition="in" filter="fade">
+                                      <p:cBhvr>
+                                        <p:cTn id="22" dur="500"/>
+                                        <p:tgtEl>
+                                          <p:spTgt spid="5">
+                                            <p:txEl>
+                                              <p:pRg st="0" end="0"/>
+                                            </p:txEl>
+                                          </p:spTgt>
+                                        </p:tgtEl>
+                                      </p:cBhvr>
+                                    </p:animEffect>
+                                  </p:childTnLst>
+                                </p:cTn>
+                              </p:par>
+                              <p:par>
+                                <p:cTn id="23" presetID="10" presetClass="entr" presetSubtype="0" fill="hold" grpId="0" nodeType="withEffect">
+                                  <p:stCondLst>
+                                    <p:cond delay="0"/>
+                                  </p:stCondLst>
+                                  <p:childTnLst>
+                                    <p:set>
+                                      <p:cBhvr>
+                                        <p:cTn id="24" dur="1" fill="hold">
                                           <p:stCondLst>
                                             <p:cond delay="0"/>
                                           </p:stCondLst>
@@ -5379,7 +5422,7 @@
                                     </p:set>
                                     <p:animEffect transition="in" filter="fade">
                                       <p:cBhvr>
-                                        <p:cTn id="22" dur="500"/>
+                                        <p:cTn id="25" dur="500"/>
                                         <p:tgtEl>
                                           <p:spTgt spid="8"/>
                                         </p:tgtEl>
@@ -6376,7 +6419,11 @@
           <a:bodyPr/>
           <a:lstStyle/>
           <a:p>
-            <a:endParaRPr kumimoji="1" lang="ja-JP" altLang="en-US"/>
+            <a:r>
+              <a:rPr kumimoji="1" lang="ja-JP" altLang="en-US" dirty="0" smtClean="0"/>
+              <a:t>主な機能</a:t>
+            </a:r>
+            <a:endParaRPr kumimoji="1" lang="ja-JP" altLang="en-US" dirty="0"/>
           </a:p>
         </p:txBody>
       </p:sp>
@@ -6395,7 +6442,54 @@
           <a:bodyPr/>
           <a:lstStyle/>
           <a:p>
-            <a:endParaRPr kumimoji="1" lang="ja-JP" altLang="en-US"/>
+            <a:pPr marL="0" indent="0">
+              <a:buNone/>
+            </a:pPr>
+            <a:r>
+              <a:rPr kumimoji="1" lang="ja-JP" altLang="en-US" dirty="0" smtClean="0"/>
+              <a:t>・音声字幕表示</a:t>
+            </a:r>
+            <a:endParaRPr kumimoji="1" lang="en-US" altLang="ja-JP" dirty="0" smtClean="0"/>
+          </a:p>
+          <a:p>
+            <a:pPr marL="0" indent="0">
+              <a:buNone/>
+            </a:pPr>
+            <a:r>
+              <a:rPr lang="ja-JP" altLang="en-US" dirty="0" smtClean="0"/>
+              <a:t>・会員機能（ログイン、プロフィール作成、退会）</a:t>
+            </a:r>
+            <a:endParaRPr lang="en-US" altLang="ja-JP" dirty="0" smtClean="0"/>
+          </a:p>
+          <a:p>
+            <a:pPr marL="0" indent="0">
+              <a:buNone/>
+            </a:pPr>
+            <a:r>
+              <a:rPr kumimoji="1" lang="ja-JP" altLang="en-US" dirty="0" smtClean="0"/>
+              <a:t>・部屋作成機能</a:t>
+            </a:r>
+            <a:endParaRPr kumimoji="1" lang="en-US" altLang="ja-JP" dirty="0" smtClean="0"/>
+          </a:p>
+          <a:p>
+            <a:pPr marL="0" indent="0">
+              <a:buNone/>
+            </a:pPr>
+            <a:r>
+              <a:rPr lang="ja-JP" altLang="en-US" dirty="0" smtClean="0"/>
+              <a:t>・部屋検索機能</a:t>
+            </a:r>
+            <a:endParaRPr lang="en-US" altLang="ja-JP" dirty="0" smtClean="0"/>
+          </a:p>
+          <a:p>
+            <a:pPr marL="0" indent="0">
+              <a:buNone/>
+            </a:pPr>
+            <a:r>
+              <a:rPr kumimoji="1" lang="ja-JP" altLang="en-US" dirty="0" smtClean="0"/>
+              <a:t>・字幕翻訳機能</a:t>
+            </a:r>
+            <a:endParaRPr kumimoji="1" lang="ja-JP" altLang="en-US" dirty="0"/>
           </a:p>
         </p:txBody>
       </p:sp>
@@ -6446,31 +6540,86 @@
             <p:ph type="title"/>
           </p:nvPr>
         </p:nvSpPr>
-        <p:spPr/>
-        <p:txBody>
-          <a:bodyPr/>
+        <p:spPr>
+          <a:xfrm>
+            <a:off x="1228410" y="1393372"/>
+            <a:ext cx="4345075" cy="3646714"/>
+          </a:xfrm>
+        </p:spPr>
+        <p:txBody>
+          <a:bodyPr>
+            <a:noAutofit/>
+          </a:bodyPr>
           <a:lstStyle/>
           <a:p>
-            <a:endParaRPr kumimoji="1" lang="ja-JP" altLang="en-US"/>
-          </a:p>
-        </p:txBody>
-      </p:sp>
-      <p:sp>
-        <p:nvSpPr>
-          <p:cNvPr id="3" name="コンテンツ プレースホルダー 2"/>
-          <p:cNvSpPr>
-            <a:spLocks noGrp="1"/>
-          </p:cNvSpPr>
-          <p:nvPr>
-            <p:ph idx="1"/>
-          </p:nvPr>
-        </p:nvSpPr>
-        <p:spPr/>
-        <p:txBody>
-          <a:bodyPr/>
-          <a:lstStyle/>
-          <a:p>
-            <a:endParaRPr kumimoji="1" lang="ja-JP" altLang="en-US"/>
+            <a:pPr algn="ctr"/>
+            <a:r>
+              <a:rPr kumimoji="1" lang="ja-JP" altLang="en-US" sz="20000" b="1" dirty="0" smtClean="0">
+                <a:latin typeface="HG明朝E" panose="02020909000000000000" pitchFamily="17" charset="-128"/>
+                <a:ea typeface="HG明朝E" panose="02020909000000000000" pitchFamily="17" charset="-128"/>
+              </a:rPr>
+              <a:t>実</a:t>
+            </a:r>
+            <a:endParaRPr kumimoji="1" lang="ja-JP" altLang="en-US" sz="20000" b="1" dirty="0">
+              <a:latin typeface="HG明朝E" panose="02020909000000000000" pitchFamily="17" charset="-128"/>
+              <a:ea typeface="HG明朝E" panose="02020909000000000000" pitchFamily="17" charset="-128"/>
+            </a:endParaRPr>
+          </a:p>
+        </p:txBody>
+      </p:sp>
+      <p:sp>
+        <p:nvSpPr>
+          <p:cNvPr id="4" name="タイトル 1"/>
+          <p:cNvSpPr txBox="1">
+            <a:spLocks/>
+          </p:cNvSpPr>
+          <p:nvPr/>
+        </p:nvSpPr>
+        <p:spPr>
+          <a:xfrm>
+            <a:off x="6029010" y="1393372"/>
+            <a:ext cx="4345075" cy="3646714"/>
+          </a:xfrm>
+          <a:prstGeom prst="rect">
+            <a:avLst/>
+          </a:prstGeom>
+        </p:spPr>
+        <p:txBody>
+          <a:bodyPr vert="horz" lIns="91440" tIns="45720" rIns="91440" bIns="45720" rtlCol="0" anchor="ctr">
+            <a:noAutofit/>
+          </a:bodyPr>
+          <a:lstStyle>
+            <a:lvl1pPr algn="l" defTabSz="914400" rtl="0" eaLnBrk="1" latinLnBrk="0" hangingPunct="1">
+              <a:lnSpc>
+                <a:spcPct val="90000"/>
+              </a:lnSpc>
+              <a:spcBef>
+                <a:spcPct val="0"/>
+              </a:spcBef>
+              <a:buNone/>
+              <a:defRPr kumimoji="1" sz="4400" kern="1200">
+                <a:solidFill>
+                  <a:schemeClr val="tx1"/>
+                </a:solidFill>
+                <a:latin typeface="+mj-lt"/>
+                <a:ea typeface="+mj-ea"/>
+                <a:cs typeface="+mj-cs"/>
+              </a:defRPr>
+            </a:lvl1pPr>
+          </a:lstStyle>
+          <a:p>
+            <a:pPr algn="ctr"/>
+            <a:r>
+              <a:rPr lang="ja-JP" altLang="en-US" sz="20000" b="1" dirty="0" smtClean="0">
+                <a:latin typeface="HG明朝E" panose="02020909000000000000" pitchFamily="17" charset="-128"/>
+                <a:ea typeface="HG明朝E" panose="02020909000000000000" pitchFamily="17" charset="-128"/>
+              </a:rPr>
+              <a:t>演</a:t>
+            </a:r>
+            <a:endParaRPr lang="ja-JP" altLang="en-US" sz="20000" b="1" dirty="0">
+              <a:latin typeface="HG明朝E" panose="02020909000000000000" pitchFamily="17" charset="-128"/>
+              <a:ea typeface="HG明朝E" panose="02020909000000000000" pitchFamily="17" charset="-128"/>
+            </a:endParaRPr>
           </a:p>
         </p:txBody>
       </p:sp>
@@ -6487,9 +6636,622 @@
   <p:timing>
     <p:tnLst>
       <p:par>
-        <p:cTn id="1" dur="indefinite" restart="never" nodeType="tmRoot"/>
+        <p:cTn id="1" dur="indefinite" restart="never" nodeType="tmRoot">
+          <p:childTnLst>
+            <p:seq concurrent="1" nextAc="seek">
+              <p:cTn id="2" dur="indefinite" nodeType="mainSeq">
+                <p:childTnLst>
+                  <p:par>
+                    <p:cTn id="3" fill="hold">
+                      <p:stCondLst>
+                        <p:cond delay="indefinite"/>
+                        <p:cond evt="onBegin" delay="0">
+                          <p:tn val="2"/>
+                        </p:cond>
+                      </p:stCondLst>
+                      <p:childTnLst>
+                        <p:par>
+                          <p:cTn id="4" fill="hold">
+                            <p:stCondLst>
+                              <p:cond delay="0"/>
+                            </p:stCondLst>
+                            <p:childTnLst>
+                              <p:par>
+                                <p:cTn id="5" presetID="26" presetClass="entr" presetSubtype="0" fill="hold" grpId="0" nodeType="withEffect">
+                                  <p:stCondLst>
+                                    <p:cond delay="0"/>
+                                  </p:stCondLst>
+                                  <p:childTnLst>
+                                    <p:set>
+                                      <p:cBhvr>
+                                        <p:cTn id="6" dur="1" fill="hold">
+                                          <p:stCondLst>
+                                            <p:cond delay="0"/>
+                                          </p:stCondLst>
+                                        </p:cTn>
+                                        <p:tgtEl>
+                                          <p:spTgt spid="2"/>
+                                        </p:tgtEl>
+                                        <p:attrNameLst>
+                                          <p:attrName>style.visibility</p:attrName>
+                                        </p:attrNameLst>
+                                      </p:cBhvr>
+                                      <p:to>
+                                        <p:strVal val="visible"/>
+                                      </p:to>
+                                    </p:set>
+                                    <p:animEffect transition="in" filter="wipe(down)">
+                                      <p:cBhvr>
+                                        <p:cTn id="7" dur="580">
+                                          <p:stCondLst>
+                                            <p:cond delay="0"/>
+                                          </p:stCondLst>
+                                        </p:cTn>
+                                        <p:tgtEl>
+                                          <p:spTgt spid="2"/>
+                                        </p:tgtEl>
+                                      </p:cBhvr>
+                                    </p:animEffect>
+                                    <p:anim calcmode="lin" valueType="num">
+                                      <p:cBhvr>
+                                        <p:cTn id="8" dur="1822" tmFilter="0,0; 0.14,0.36; 0.43,0.73; 0.71,0.91; 1.0,1.0">
+                                          <p:stCondLst>
+                                            <p:cond delay="0"/>
+                                          </p:stCondLst>
+                                        </p:cTn>
+                                        <p:tgtEl>
+                                          <p:spTgt spid="2"/>
+                                        </p:tgtEl>
+                                        <p:attrNameLst>
+                                          <p:attrName>ppt_x</p:attrName>
+                                        </p:attrNameLst>
+                                      </p:cBhvr>
+                                      <p:tavLst>
+                                        <p:tav tm="0">
+                                          <p:val>
+                                            <p:strVal val="#ppt_x-0.25"/>
+                                          </p:val>
+                                        </p:tav>
+                                        <p:tav tm="100000">
+                                          <p:val>
+                                            <p:strVal val="#ppt_x"/>
+                                          </p:val>
+                                        </p:tav>
+                                      </p:tavLst>
+                                    </p:anim>
+                                    <p:anim calcmode="lin" valueType="num">
+                                      <p:cBhvr>
+                                        <p:cTn id="9" dur="664" tmFilter="0.0,0.0; 0.25,0.07; 0.50,0.2; 0.75,0.467; 1.0,1.0">
+                                          <p:stCondLst>
+                                            <p:cond delay="0"/>
+                                          </p:stCondLst>
+                                        </p:cTn>
+                                        <p:tgtEl>
+                                          <p:spTgt spid="2"/>
+                                        </p:tgtEl>
+                                        <p:attrNameLst>
+                                          <p:attrName>ppt_y</p:attrName>
+                                        </p:attrNameLst>
+                                      </p:cBhvr>
+                                      <p:tavLst>
+                                        <p:tav tm="0" fmla="#ppt_y-sin(pi*$)/3">
+                                          <p:val>
+                                            <p:fltVal val="0.5"/>
+                                          </p:val>
+                                        </p:tav>
+                                        <p:tav tm="100000">
+                                          <p:val>
+                                            <p:fltVal val="1"/>
+                                          </p:val>
+                                        </p:tav>
+                                      </p:tavLst>
+                                    </p:anim>
+                                    <p:anim calcmode="lin" valueType="num">
+                                      <p:cBhvr>
+                                        <p:cTn id="10" dur="664" tmFilter="0, 0; 0.125,0.2665; 0.25,0.4; 0.375,0.465; 0.5,0.5;  0.625,0.535; 0.75,0.6; 0.875,0.7335; 1,1">
+                                          <p:stCondLst>
+                                            <p:cond delay="664"/>
+                                          </p:stCondLst>
+                                        </p:cTn>
+                                        <p:tgtEl>
+                                          <p:spTgt spid="2"/>
+                                        </p:tgtEl>
+                                        <p:attrNameLst>
+                                          <p:attrName>ppt_y</p:attrName>
+                                        </p:attrNameLst>
+                                      </p:cBhvr>
+                                      <p:tavLst>
+                                        <p:tav tm="0" fmla="#ppt_y-sin(pi*$)/9">
+                                          <p:val>
+                                            <p:fltVal val="0"/>
+                                          </p:val>
+                                        </p:tav>
+                                        <p:tav tm="100000">
+                                          <p:val>
+                                            <p:fltVal val="1"/>
+                                          </p:val>
+                                        </p:tav>
+                                      </p:tavLst>
+                                    </p:anim>
+                                    <p:anim calcmode="lin" valueType="num">
+                                      <p:cBhvr>
+                                        <p:cTn id="11" dur="332" tmFilter="0, 0; 0.125,0.2665; 0.25,0.4; 0.375,0.465; 0.5,0.5;  0.625,0.535; 0.75,0.6; 0.875,0.7335; 1,1">
+                                          <p:stCondLst>
+                                            <p:cond delay="1324"/>
+                                          </p:stCondLst>
+                                        </p:cTn>
+                                        <p:tgtEl>
+                                          <p:spTgt spid="2"/>
+                                        </p:tgtEl>
+                                        <p:attrNameLst>
+                                          <p:attrName>ppt_y</p:attrName>
+                                        </p:attrNameLst>
+                                      </p:cBhvr>
+                                      <p:tavLst>
+                                        <p:tav tm="0" fmla="#ppt_y-sin(pi*$)/27">
+                                          <p:val>
+                                            <p:fltVal val="0"/>
+                                          </p:val>
+                                        </p:tav>
+                                        <p:tav tm="100000">
+                                          <p:val>
+                                            <p:fltVal val="1"/>
+                                          </p:val>
+                                        </p:tav>
+                                      </p:tavLst>
+                                    </p:anim>
+                                    <p:anim calcmode="lin" valueType="num">
+                                      <p:cBhvr>
+                                        <p:cTn id="12" dur="164" tmFilter="0, 0; 0.125,0.2665; 0.25,0.4; 0.375,0.465; 0.5,0.5;  0.625,0.535; 0.75,0.6; 0.875,0.7335; 1,1">
+                                          <p:stCondLst>
+                                            <p:cond delay="1656"/>
+                                          </p:stCondLst>
+                                        </p:cTn>
+                                        <p:tgtEl>
+                                          <p:spTgt spid="2"/>
+                                        </p:tgtEl>
+                                        <p:attrNameLst>
+                                          <p:attrName>ppt_y</p:attrName>
+                                        </p:attrNameLst>
+                                      </p:cBhvr>
+                                      <p:tavLst>
+                                        <p:tav tm="0" fmla="#ppt_y-sin(pi*$)/81">
+                                          <p:val>
+                                            <p:fltVal val="0"/>
+                                          </p:val>
+                                        </p:tav>
+                                        <p:tav tm="100000">
+                                          <p:val>
+                                            <p:fltVal val="1"/>
+                                          </p:val>
+                                        </p:tav>
+                                      </p:tavLst>
+                                    </p:anim>
+                                    <p:animScale>
+                                      <p:cBhvr>
+                                        <p:cTn id="13" dur="26">
+                                          <p:stCondLst>
+                                            <p:cond delay="650"/>
+                                          </p:stCondLst>
+                                        </p:cTn>
+                                        <p:tgtEl>
+                                          <p:spTgt spid="2"/>
+                                        </p:tgtEl>
+                                      </p:cBhvr>
+                                      <p:to x="100000" y="60000"/>
+                                    </p:animScale>
+                                    <p:animScale>
+                                      <p:cBhvr>
+                                        <p:cTn id="14" dur="166" decel="50000">
+                                          <p:stCondLst>
+                                            <p:cond delay="676"/>
+                                          </p:stCondLst>
+                                        </p:cTn>
+                                        <p:tgtEl>
+                                          <p:spTgt spid="2"/>
+                                        </p:tgtEl>
+                                      </p:cBhvr>
+                                      <p:to x="100000" y="100000"/>
+                                    </p:animScale>
+                                    <p:animScale>
+                                      <p:cBhvr>
+                                        <p:cTn id="15" dur="26">
+                                          <p:stCondLst>
+                                            <p:cond delay="1312"/>
+                                          </p:stCondLst>
+                                        </p:cTn>
+                                        <p:tgtEl>
+                                          <p:spTgt spid="2"/>
+                                        </p:tgtEl>
+                                      </p:cBhvr>
+                                      <p:to x="100000" y="80000"/>
+                                    </p:animScale>
+                                    <p:animScale>
+                                      <p:cBhvr>
+                                        <p:cTn id="16" dur="166" decel="50000">
+                                          <p:stCondLst>
+                                            <p:cond delay="1338"/>
+                                          </p:stCondLst>
+                                        </p:cTn>
+                                        <p:tgtEl>
+                                          <p:spTgt spid="2"/>
+                                        </p:tgtEl>
+                                      </p:cBhvr>
+                                      <p:to x="100000" y="100000"/>
+                                    </p:animScale>
+                                    <p:animScale>
+                                      <p:cBhvr>
+                                        <p:cTn id="17" dur="26">
+                                          <p:stCondLst>
+                                            <p:cond delay="1642"/>
+                                          </p:stCondLst>
+                                        </p:cTn>
+                                        <p:tgtEl>
+                                          <p:spTgt spid="2"/>
+                                        </p:tgtEl>
+                                      </p:cBhvr>
+                                      <p:to x="100000" y="90000"/>
+                                    </p:animScale>
+                                    <p:animScale>
+                                      <p:cBhvr>
+                                        <p:cTn id="18" dur="166" decel="50000">
+                                          <p:stCondLst>
+                                            <p:cond delay="1668"/>
+                                          </p:stCondLst>
+                                        </p:cTn>
+                                        <p:tgtEl>
+                                          <p:spTgt spid="2"/>
+                                        </p:tgtEl>
+                                      </p:cBhvr>
+                                      <p:to x="100000" y="100000"/>
+                                    </p:animScale>
+                                    <p:animScale>
+                                      <p:cBhvr>
+                                        <p:cTn id="19" dur="26">
+                                          <p:stCondLst>
+                                            <p:cond delay="1808"/>
+                                          </p:stCondLst>
+                                        </p:cTn>
+                                        <p:tgtEl>
+                                          <p:spTgt spid="2"/>
+                                        </p:tgtEl>
+                                      </p:cBhvr>
+                                      <p:to x="100000" y="95000"/>
+                                    </p:animScale>
+                                    <p:animScale>
+                                      <p:cBhvr>
+                                        <p:cTn id="20" dur="166" decel="50000">
+                                          <p:stCondLst>
+                                            <p:cond delay="1834"/>
+                                          </p:stCondLst>
+                                        </p:cTn>
+                                        <p:tgtEl>
+                                          <p:spTgt spid="2"/>
+                                        </p:tgtEl>
+                                      </p:cBhvr>
+                                      <p:to x="100000" y="100000"/>
+                                    </p:animScale>
+                                  </p:childTnLst>
+                                </p:cTn>
+                              </p:par>
+                            </p:childTnLst>
+                          </p:cTn>
+                        </p:par>
+                        <p:par>
+                          <p:cTn id="21" fill="hold">
+                            <p:stCondLst>
+                              <p:cond delay="2000"/>
+                            </p:stCondLst>
+                            <p:childTnLst>
+                              <p:par>
+                                <p:cTn id="22" presetID="26" presetClass="entr" presetSubtype="0" fill="hold" grpId="0" nodeType="afterEffect">
+                                  <p:stCondLst>
+                                    <p:cond delay="0"/>
+                                  </p:stCondLst>
+                                  <p:childTnLst>
+                                    <p:set>
+                                      <p:cBhvr>
+                                        <p:cTn id="23" dur="1" fill="hold">
+                                          <p:stCondLst>
+                                            <p:cond delay="0"/>
+                                          </p:stCondLst>
+                                        </p:cTn>
+                                        <p:tgtEl>
+                                          <p:spTgt spid="4"/>
+                                        </p:tgtEl>
+                                        <p:attrNameLst>
+                                          <p:attrName>style.visibility</p:attrName>
+                                        </p:attrNameLst>
+                                      </p:cBhvr>
+                                      <p:to>
+                                        <p:strVal val="visible"/>
+                                      </p:to>
+                                    </p:set>
+                                    <p:animEffect transition="in" filter="wipe(down)">
+                                      <p:cBhvr>
+                                        <p:cTn id="24" dur="580">
+                                          <p:stCondLst>
+                                            <p:cond delay="0"/>
+                                          </p:stCondLst>
+                                        </p:cTn>
+                                        <p:tgtEl>
+                                          <p:spTgt spid="4"/>
+                                        </p:tgtEl>
+                                      </p:cBhvr>
+                                    </p:animEffect>
+                                    <p:anim calcmode="lin" valueType="num">
+                                      <p:cBhvr>
+                                        <p:cTn id="25" dur="1822" tmFilter="0,0; 0.14,0.36; 0.43,0.73; 0.71,0.91; 1.0,1.0">
+                                          <p:stCondLst>
+                                            <p:cond delay="0"/>
+                                          </p:stCondLst>
+                                        </p:cTn>
+                                        <p:tgtEl>
+                                          <p:spTgt spid="4"/>
+                                        </p:tgtEl>
+                                        <p:attrNameLst>
+                                          <p:attrName>ppt_x</p:attrName>
+                                        </p:attrNameLst>
+                                      </p:cBhvr>
+                                      <p:tavLst>
+                                        <p:tav tm="0">
+                                          <p:val>
+                                            <p:strVal val="#ppt_x-0.25"/>
+                                          </p:val>
+                                        </p:tav>
+                                        <p:tav tm="100000">
+                                          <p:val>
+                                            <p:strVal val="#ppt_x"/>
+                                          </p:val>
+                                        </p:tav>
+                                      </p:tavLst>
+                                    </p:anim>
+                                    <p:anim calcmode="lin" valueType="num">
+                                      <p:cBhvr>
+                                        <p:cTn id="26" dur="664" tmFilter="0.0,0.0; 0.25,0.07; 0.50,0.2; 0.75,0.467; 1.0,1.0">
+                                          <p:stCondLst>
+                                            <p:cond delay="0"/>
+                                          </p:stCondLst>
+                                        </p:cTn>
+                                        <p:tgtEl>
+                                          <p:spTgt spid="4"/>
+                                        </p:tgtEl>
+                                        <p:attrNameLst>
+                                          <p:attrName>ppt_y</p:attrName>
+                                        </p:attrNameLst>
+                                      </p:cBhvr>
+                                      <p:tavLst>
+                                        <p:tav tm="0" fmla="#ppt_y-sin(pi*$)/3">
+                                          <p:val>
+                                            <p:fltVal val="0.5"/>
+                                          </p:val>
+                                        </p:tav>
+                                        <p:tav tm="100000">
+                                          <p:val>
+                                            <p:fltVal val="1"/>
+                                          </p:val>
+                                        </p:tav>
+                                      </p:tavLst>
+                                    </p:anim>
+                                    <p:anim calcmode="lin" valueType="num">
+                                      <p:cBhvr>
+                                        <p:cTn id="27" dur="664" tmFilter="0, 0; 0.125,0.2665; 0.25,0.4; 0.375,0.465; 0.5,0.5;  0.625,0.535; 0.75,0.6; 0.875,0.7335; 1,1">
+                                          <p:stCondLst>
+                                            <p:cond delay="664"/>
+                                          </p:stCondLst>
+                                        </p:cTn>
+                                        <p:tgtEl>
+                                          <p:spTgt spid="4"/>
+                                        </p:tgtEl>
+                                        <p:attrNameLst>
+                                          <p:attrName>ppt_y</p:attrName>
+                                        </p:attrNameLst>
+                                      </p:cBhvr>
+                                      <p:tavLst>
+                                        <p:tav tm="0" fmla="#ppt_y-sin(pi*$)/9">
+                                          <p:val>
+                                            <p:fltVal val="0"/>
+                                          </p:val>
+                                        </p:tav>
+                                        <p:tav tm="100000">
+                                          <p:val>
+                                            <p:fltVal val="1"/>
+                                          </p:val>
+                                        </p:tav>
+                                      </p:tavLst>
+                                    </p:anim>
+                                    <p:anim calcmode="lin" valueType="num">
+                                      <p:cBhvr>
+                                        <p:cTn id="28" dur="332" tmFilter="0, 0; 0.125,0.2665; 0.25,0.4; 0.375,0.465; 0.5,0.5;  0.625,0.535; 0.75,0.6; 0.875,0.7335; 1,1">
+                                          <p:stCondLst>
+                                            <p:cond delay="1324"/>
+                                          </p:stCondLst>
+                                        </p:cTn>
+                                        <p:tgtEl>
+                                          <p:spTgt spid="4"/>
+                                        </p:tgtEl>
+                                        <p:attrNameLst>
+                                          <p:attrName>ppt_y</p:attrName>
+                                        </p:attrNameLst>
+                                      </p:cBhvr>
+                                      <p:tavLst>
+                                        <p:tav tm="0" fmla="#ppt_y-sin(pi*$)/27">
+                                          <p:val>
+                                            <p:fltVal val="0"/>
+                                          </p:val>
+                                        </p:tav>
+                                        <p:tav tm="100000">
+                                          <p:val>
+                                            <p:fltVal val="1"/>
+                                          </p:val>
+                                        </p:tav>
+                                      </p:tavLst>
+                                    </p:anim>
+                                    <p:anim calcmode="lin" valueType="num">
+                                      <p:cBhvr>
+                                        <p:cTn id="29" dur="164" tmFilter="0, 0; 0.125,0.2665; 0.25,0.4; 0.375,0.465; 0.5,0.5;  0.625,0.535; 0.75,0.6; 0.875,0.7335; 1,1">
+                                          <p:stCondLst>
+                                            <p:cond delay="1656"/>
+                                          </p:stCondLst>
+                                        </p:cTn>
+                                        <p:tgtEl>
+                                          <p:spTgt spid="4"/>
+                                        </p:tgtEl>
+                                        <p:attrNameLst>
+                                          <p:attrName>ppt_y</p:attrName>
+                                        </p:attrNameLst>
+                                      </p:cBhvr>
+                                      <p:tavLst>
+                                        <p:tav tm="0" fmla="#ppt_y-sin(pi*$)/81">
+                                          <p:val>
+                                            <p:fltVal val="0"/>
+                                          </p:val>
+                                        </p:tav>
+                                        <p:tav tm="100000">
+                                          <p:val>
+                                            <p:fltVal val="1"/>
+                                          </p:val>
+                                        </p:tav>
+                                      </p:tavLst>
+                                    </p:anim>
+                                    <p:animScale>
+                                      <p:cBhvr>
+                                        <p:cTn id="30" dur="26">
+                                          <p:stCondLst>
+                                            <p:cond delay="650"/>
+                                          </p:stCondLst>
+                                        </p:cTn>
+                                        <p:tgtEl>
+                                          <p:spTgt spid="4"/>
+                                        </p:tgtEl>
+                                      </p:cBhvr>
+                                      <p:to x="100000" y="60000"/>
+                                    </p:animScale>
+                                    <p:animScale>
+                                      <p:cBhvr>
+                                        <p:cTn id="31" dur="166" decel="50000">
+                                          <p:stCondLst>
+                                            <p:cond delay="676"/>
+                                          </p:stCondLst>
+                                        </p:cTn>
+                                        <p:tgtEl>
+                                          <p:spTgt spid="4"/>
+                                        </p:tgtEl>
+                                      </p:cBhvr>
+                                      <p:to x="100000" y="100000"/>
+                                    </p:animScale>
+                                    <p:animScale>
+                                      <p:cBhvr>
+                                        <p:cTn id="32" dur="26">
+                                          <p:stCondLst>
+                                            <p:cond delay="1312"/>
+                                          </p:stCondLst>
+                                        </p:cTn>
+                                        <p:tgtEl>
+                                          <p:spTgt spid="4"/>
+                                        </p:tgtEl>
+                                      </p:cBhvr>
+                                      <p:to x="100000" y="80000"/>
+                                    </p:animScale>
+                                    <p:animScale>
+                                      <p:cBhvr>
+                                        <p:cTn id="33" dur="166" decel="50000">
+                                          <p:stCondLst>
+                                            <p:cond delay="1338"/>
+                                          </p:stCondLst>
+                                        </p:cTn>
+                                        <p:tgtEl>
+                                          <p:spTgt spid="4"/>
+                                        </p:tgtEl>
+                                      </p:cBhvr>
+                                      <p:to x="100000" y="100000"/>
+                                    </p:animScale>
+                                    <p:animScale>
+                                      <p:cBhvr>
+                                        <p:cTn id="34" dur="26">
+                                          <p:stCondLst>
+                                            <p:cond delay="1642"/>
+                                          </p:stCondLst>
+                                        </p:cTn>
+                                        <p:tgtEl>
+                                          <p:spTgt spid="4"/>
+                                        </p:tgtEl>
+                                      </p:cBhvr>
+                                      <p:to x="100000" y="90000"/>
+                                    </p:animScale>
+                                    <p:animScale>
+                                      <p:cBhvr>
+                                        <p:cTn id="35" dur="166" decel="50000">
+                                          <p:stCondLst>
+                                            <p:cond delay="1668"/>
+                                          </p:stCondLst>
+                                        </p:cTn>
+                                        <p:tgtEl>
+                                          <p:spTgt spid="4"/>
+                                        </p:tgtEl>
+                                      </p:cBhvr>
+                                      <p:to x="100000" y="100000"/>
+                                    </p:animScale>
+                                    <p:animScale>
+                                      <p:cBhvr>
+                                        <p:cTn id="36" dur="26">
+                                          <p:stCondLst>
+                                            <p:cond delay="1808"/>
+                                          </p:stCondLst>
+                                        </p:cTn>
+                                        <p:tgtEl>
+                                          <p:spTgt spid="4"/>
+                                        </p:tgtEl>
+                                      </p:cBhvr>
+                                      <p:to x="100000" y="95000"/>
+                                    </p:animScale>
+                                    <p:animScale>
+                                      <p:cBhvr>
+                                        <p:cTn id="37" dur="166" decel="50000">
+                                          <p:stCondLst>
+                                            <p:cond delay="1834"/>
+                                          </p:stCondLst>
+                                        </p:cTn>
+                                        <p:tgtEl>
+                                          <p:spTgt spid="4"/>
+                                        </p:tgtEl>
+                                      </p:cBhvr>
+                                      <p:to x="100000" y="100000"/>
+                                    </p:animScale>
+                                  </p:childTnLst>
+                                </p:cTn>
+                              </p:par>
+                            </p:childTnLst>
+                          </p:cTn>
+                        </p:par>
+                      </p:childTnLst>
+                    </p:cTn>
+                  </p:par>
+                </p:childTnLst>
+              </p:cTn>
+              <p:prevCondLst>
+                <p:cond evt="onPrev" delay="0">
+                  <p:tgtEl>
+                    <p:sldTgt/>
+                  </p:tgtEl>
+                </p:cond>
+              </p:prevCondLst>
+              <p:nextCondLst>
+                <p:cond evt="onNext" delay="0">
+                  <p:tgtEl>
+                    <p:sldTgt/>
+                  </p:tgtEl>
+                </p:cond>
+              </p:nextCondLst>
+            </p:seq>
+          </p:childTnLst>
+        </p:cTn>
       </p:par>
     </p:tnLst>
+    <p:bldLst>
+      <p:bldP spid="2" grpId="0"/>
+      <p:bldP spid="4" grpId="0"/>
+    </p:bldLst>
   </p:timing>
 </p:sld>
 </file>
@@ -6526,7 +7288,11 @@
           <a:bodyPr/>
           <a:lstStyle/>
           <a:p>
-            <a:endParaRPr kumimoji="1" lang="ja-JP" altLang="en-US"/>
+            <a:r>
+              <a:rPr kumimoji="1" lang="ja-JP" altLang="en-US" dirty="0" smtClean="0"/>
+              <a:t>今後の課題</a:t>
+            </a:r>
+            <a:endParaRPr kumimoji="1" lang="ja-JP" altLang="en-US" dirty="0"/>
           </a:p>
         </p:txBody>
       </p:sp>
@@ -6545,7 +7311,54 @@
           <a:bodyPr/>
           <a:lstStyle/>
           <a:p>
-            <a:endParaRPr kumimoji="1" lang="ja-JP" altLang="en-US"/>
+            <a:pPr marL="0" indent="0">
+              <a:buNone/>
+            </a:pPr>
+            <a:r>
+              <a:rPr lang="ja-JP" altLang="en-US" dirty="0" smtClean="0"/>
+              <a:t>・音声識別の高速化</a:t>
+            </a:r>
+            <a:endParaRPr lang="en-US" altLang="ja-JP" dirty="0" smtClean="0"/>
+          </a:p>
+          <a:p>
+            <a:pPr marL="0" indent="0">
+              <a:buNone/>
+            </a:pPr>
+            <a:r>
+              <a:rPr kumimoji="1" lang="ja-JP" altLang="en-US" dirty="0" smtClean="0"/>
+              <a:t>・通話時のインターフェースの見直し</a:t>
+            </a:r>
+            <a:endParaRPr kumimoji="1" lang="en-US" altLang="ja-JP" dirty="0" smtClean="0"/>
+          </a:p>
+          <a:p>
+            <a:pPr marL="0" indent="0">
+              <a:buNone/>
+            </a:pPr>
+            <a:r>
+              <a:rPr lang="ja-JP" altLang="en-US" dirty="0" smtClean="0"/>
+              <a:t>・字幕のログ化</a:t>
+            </a:r>
+            <a:endParaRPr lang="en-US" altLang="ja-JP" dirty="0" smtClean="0"/>
+          </a:p>
+          <a:p>
+            <a:pPr marL="0" indent="0">
+              <a:buNone/>
+            </a:pPr>
+            <a:r>
+              <a:rPr kumimoji="1" lang="ja-JP" altLang="en-US" dirty="0" smtClean="0"/>
+              <a:t>・セキュリティ面</a:t>
+            </a:r>
+            <a:endParaRPr kumimoji="1" lang="en-US" altLang="ja-JP" dirty="0" smtClean="0"/>
+          </a:p>
+          <a:p>
+            <a:pPr marL="0" indent="0">
+              <a:buNone/>
+            </a:pPr>
+            <a:r>
+              <a:rPr lang="ja-JP" altLang="en-US" dirty="0" smtClean="0"/>
+              <a:t>・</a:t>
+            </a:r>
+            <a:endParaRPr kumimoji="1" lang="en-US" altLang="ja-JP" dirty="0" smtClean="0"/>
           </a:p>
         </p:txBody>
       </p:sp>
@@ -6588,6 +7401,144 @@
       </p:grpSpPr>
       <p:sp>
         <p:nvSpPr>
+          <p:cNvPr id="10" name="角丸四角形 9"/>
+          <p:cNvSpPr/>
+          <p:nvPr/>
+        </p:nvSpPr>
+        <p:spPr>
+          <a:xfrm>
+            <a:off x="6275614" y="1357714"/>
+            <a:ext cx="5818415" cy="4640315"/>
+          </a:xfrm>
+          <a:prstGeom prst="roundRect">
+            <a:avLst/>
+          </a:prstGeom>
+          <a:solidFill>
+            <a:schemeClr val="accent4">
+              <a:lumMod val="20000"/>
+              <a:lumOff val="80000"/>
+            </a:schemeClr>
+          </a:solidFill>
+        </p:spPr>
+        <p:style>
+          <a:lnRef idx="2">
+            <a:schemeClr val="accent1">
+              <a:shade val="50000"/>
+            </a:schemeClr>
+          </a:lnRef>
+          <a:fillRef idx="1">
+            <a:schemeClr val="accent1"/>
+          </a:fillRef>
+          <a:effectRef idx="0">
+            <a:schemeClr val="accent1"/>
+          </a:effectRef>
+          <a:fontRef idx="minor">
+            <a:schemeClr val="lt1"/>
+          </a:fontRef>
+        </p:style>
+        <p:txBody>
+          <a:bodyPr rtlCol="0" anchor="ctr"/>
+          <a:lstStyle/>
+          <a:p>
+            <a:pPr algn="ctr"/>
+            <a:endParaRPr kumimoji="1" lang="ja-JP" altLang="en-US"/>
+          </a:p>
+        </p:txBody>
+      </p:sp>
+      <p:sp>
+        <p:nvSpPr>
+          <p:cNvPr id="9" name="角丸四角形 8"/>
+          <p:cNvSpPr/>
+          <p:nvPr/>
+        </p:nvSpPr>
+        <p:spPr>
+          <a:xfrm>
+            <a:off x="3253469" y="1335944"/>
+            <a:ext cx="2744560" cy="4640315"/>
+          </a:xfrm>
+          <a:prstGeom prst="roundRect">
+            <a:avLst/>
+          </a:prstGeom>
+          <a:solidFill>
+            <a:schemeClr val="accent4">
+              <a:lumMod val="20000"/>
+              <a:lumOff val="80000"/>
+            </a:schemeClr>
+          </a:solidFill>
+        </p:spPr>
+        <p:style>
+          <a:lnRef idx="2">
+            <a:schemeClr val="accent1">
+              <a:shade val="50000"/>
+            </a:schemeClr>
+          </a:lnRef>
+          <a:fillRef idx="1">
+            <a:schemeClr val="accent1"/>
+          </a:fillRef>
+          <a:effectRef idx="0">
+            <a:schemeClr val="accent1"/>
+          </a:effectRef>
+          <a:fontRef idx="minor">
+            <a:schemeClr val="lt1"/>
+          </a:fontRef>
+        </p:style>
+        <p:txBody>
+          <a:bodyPr rtlCol="0" anchor="ctr"/>
+          <a:lstStyle/>
+          <a:p>
+            <a:pPr algn="ctr"/>
+            <a:endParaRPr kumimoji="1" lang="ja-JP" altLang="en-US"/>
+          </a:p>
+        </p:txBody>
+      </p:sp>
+      <p:sp>
+        <p:nvSpPr>
+          <p:cNvPr id="8" name="角丸四角形 7"/>
+          <p:cNvSpPr/>
+          <p:nvPr/>
+        </p:nvSpPr>
+        <p:spPr>
+          <a:xfrm>
+            <a:off x="511629" y="1357714"/>
+            <a:ext cx="2481943" cy="4640315"/>
+          </a:xfrm>
+          <a:prstGeom prst="roundRect">
+            <a:avLst/>
+          </a:prstGeom>
+          <a:solidFill>
+            <a:schemeClr val="accent4">
+              <a:lumMod val="20000"/>
+              <a:lumOff val="80000"/>
+            </a:schemeClr>
+          </a:solidFill>
+        </p:spPr>
+        <p:style>
+          <a:lnRef idx="2">
+            <a:schemeClr val="accent1">
+              <a:shade val="50000"/>
+            </a:schemeClr>
+          </a:lnRef>
+          <a:fillRef idx="1">
+            <a:schemeClr val="accent1"/>
+          </a:fillRef>
+          <a:effectRef idx="0">
+            <a:schemeClr val="accent1"/>
+          </a:effectRef>
+          <a:fontRef idx="minor">
+            <a:schemeClr val="lt1"/>
+          </a:fontRef>
+        </p:style>
+        <p:txBody>
+          <a:bodyPr rtlCol="0" anchor="ctr"/>
+          <a:lstStyle/>
+          <a:p>
+            <a:pPr algn="ctr"/>
+            <a:endParaRPr kumimoji="1" lang="ja-JP" altLang="en-US"/>
+          </a:p>
+        </p:txBody>
+      </p:sp>
+      <p:sp>
+        <p:nvSpPr>
           <p:cNvPr id="2" name="タイトル 1"/>
           <p:cNvSpPr>
             <a:spLocks noGrp="1"/>
@@ -6596,31 +7547,322 @@
             <p:ph type="title"/>
           </p:nvPr>
         </p:nvSpPr>
-        <p:spPr/>
+        <p:spPr>
+          <a:xfrm>
+            <a:off x="163286" y="201840"/>
+            <a:ext cx="10515600" cy="1325563"/>
+          </a:xfrm>
+        </p:spPr>
         <p:txBody>
           <a:bodyPr/>
           <a:lstStyle/>
           <a:p>
-            <a:endParaRPr kumimoji="1" lang="ja-JP" altLang="en-US"/>
-          </a:p>
-        </p:txBody>
-      </p:sp>
-      <p:sp>
-        <p:nvSpPr>
-          <p:cNvPr id="3" name="コンテンツ プレースホルダー 2"/>
-          <p:cNvSpPr>
-            <a:spLocks noGrp="1"/>
-          </p:cNvSpPr>
-          <p:nvPr>
-            <p:ph idx="1"/>
-          </p:nvPr>
-        </p:nvSpPr>
-        <p:spPr/>
-        <p:txBody>
-          <a:bodyPr/>
+            <a:r>
+              <a:rPr kumimoji="1" lang="ja-JP" altLang="en-US" dirty="0" smtClean="0"/>
+              <a:t>開発環境</a:t>
+            </a:r>
+            <a:endParaRPr kumimoji="1" lang="ja-JP" altLang="en-US" dirty="0"/>
+          </a:p>
+        </p:txBody>
+      </p:sp>
+      <p:sp>
+        <p:nvSpPr>
+          <p:cNvPr id="4" name="テキスト ボックス 3"/>
+          <p:cNvSpPr txBox="1"/>
+          <p:nvPr/>
+        </p:nvSpPr>
+        <p:spPr>
+          <a:xfrm>
+            <a:off x="2813957" y="1335944"/>
+            <a:ext cx="3461657" cy="3785652"/>
+          </a:xfrm>
+          <a:prstGeom prst="rect">
+            <a:avLst/>
+          </a:prstGeom>
+          <a:noFill/>
+        </p:spPr>
+        <p:txBody>
+          <a:bodyPr wrap="square" rtlCol="0">
+            <a:spAutoFit/>
+          </a:bodyPr>
           <a:lstStyle/>
           <a:p>
-            <a:endParaRPr kumimoji="1" lang="ja-JP" altLang="en-US"/>
+            <a:pPr algn="ctr">
+              <a:lnSpc>
+                <a:spcPct val="150000"/>
+              </a:lnSpc>
+            </a:pPr>
+            <a:r>
+              <a:rPr lang="ja-JP" altLang="en-US" sz="3200" dirty="0" smtClean="0"/>
+              <a:t>・使用ツール</a:t>
+            </a:r>
+            <a:endParaRPr lang="en-US" altLang="ja-JP" sz="3200" dirty="0" smtClean="0"/>
+          </a:p>
+          <a:p>
+            <a:pPr algn="ctr">
+              <a:lnSpc>
+                <a:spcPct val="150000"/>
+              </a:lnSpc>
+            </a:pPr>
+            <a:r>
+              <a:rPr lang="en-US" altLang="ja-JP" sz="3200" dirty="0" smtClean="0"/>
+              <a:t>Atom</a:t>
+            </a:r>
+          </a:p>
+          <a:p>
+            <a:pPr algn="ctr">
+              <a:lnSpc>
+                <a:spcPct val="150000"/>
+              </a:lnSpc>
+            </a:pPr>
+            <a:r>
+              <a:rPr lang="en-US" altLang="ja-JP" sz="3200" dirty="0" smtClean="0"/>
+              <a:t>GitHub</a:t>
+            </a:r>
+            <a:endParaRPr lang="en-US" altLang="ja-JP" sz="3200" dirty="0"/>
+          </a:p>
+          <a:p>
+            <a:pPr algn="ctr">
+              <a:lnSpc>
+                <a:spcPct val="150000"/>
+              </a:lnSpc>
+            </a:pPr>
+            <a:r>
+              <a:rPr lang="en-US" altLang="ja-JP" sz="3200" dirty="0" err="1" smtClean="0"/>
+              <a:t>SkyWay</a:t>
+            </a:r>
+          </a:p>
+          <a:p>
+            <a:pPr algn="ctr">
+              <a:lnSpc>
+                <a:spcPct val="150000"/>
+              </a:lnSpc>
+            </a:pPr>
+            <a:r>
+              <a:rPr lang="en-US" altLang="ja-JP" sz="3200" dirty="0" smtClean="0"/>
+              <a:t>XAMPP</a:t>
+            </a:r>
+          </a:p>
+        </p:txBody>
+      </p:sp>
+      <p:sp>
+        <p:nvSpPr>
+          <p:cNvPr id="5" name="正方形/長方形 4"/>
+          <p:cNvSpPr/>
+          <p:nvPr/>
+        </p:nvSpPr>
+        <p:spPr>
+          <a:xfrm>
+            <a:off x="6096000" y="1357714"/>
+            <a:ext cx="6096000" cy="4524315"/>
+          </a:xfrm>
+          <a:prstGeom prst="rect">
+            <a:avLst/>
+          </a:prstGeom>
+        </p:spPr>
+        <p:txBody>
+          <a:bodyPr>
+            <a:spAutoFit/>
+          </a:bodyPr>
+          <a:lstStyle/>
+          <a:p>
+            <a:pPr algn="ctr">
+              <a:lnSpc>
+                <a:spcPct val="150000"/>
+              </a:lnSpc>
+            </a:pPr>
+            <a:r>
+              <a:rPr lang="ja-JP" altLang="en-US" sz="3200" dirty="0" smtClean="0"/>
+              <a:t>・</a:t>
+            </a:r>
+            <a:r>
+              <a:rPr lang="en-US" altLang="ja-JP" sz="3200" dirty="0" smtClean="0"/>
+              <a:t>API</a:t>
+            </a:r>
+            <a:r>
+              <a:rPr lang="ja-JP" altLang="en-US" sz="3200" dirty="0" smtClean="0"/>
+              <a:t> </a:t>
+            </a:r>
+            <a:r>
+              <a:rPr lang="en-US" altLang="ja-JP" sz="3200" dirty="0" smtClean="0"/>
+              <a:t>/SDK</a:t>
+            </a:r>
+            <a:r>
+              <a:rPr lang="ja-JP" altLang="en-US" sz="3200" dirty="0" smtClean="0"/>
+              <a:t> </a:t>
+            </a:r>
+            <a:r>
+              <a:rPr lang="en-US" altLang="ja-JP" sz="3200" dirty="0" smtClean="0"/>
+              <a:t>/</a:t>
+            </a:r>
+            <a:r>
+              <a:rPr lang="ja-JP" altLang="en-US" sz="3200" dirty="0" smtClean="0"/>
+              <a:t> フレームワーク</a:t>
+            </a:r>
+            <a:endParaRPr lang="en-US" altLang="ja-JP" sz="3200" dirty="0" smtClean="0"/>
+          </a:p>
+          <a:p>
+            <a:pPr algn="ctr">
+              <a:lnSpc>
+                <a:spcPct val="150000"/>
+              </a:lnSpc>
+            </a:pPr>
+            <a:r>
+              <a:rPr lang="en-US" altLang="ja-JP" sz="3200" dirty="0" err="1" smtClean="0"/>
+              <a:t>WebspeechAPI</a:t>
+            </a:r>
+            <a:endParaRPr lang="en-US" altLang="ja-JP" sz="3200" dirty="0"/>
+          </a:p>
+          <a:p>
+            <a:pPr algn="ctr">
+              <a:lnSpc>
+                <a:spcPct val="150000"/>
+              </a:lnSpc>
+            </a:pPr>
+            <a:r>
+              <a:rPr lang="en-US" altLang="ja-JP" sz="3200" dirty="0" smtClean="0"/>
+              <a:t>Google </a:t>
+            </a:r>
+            <a:r>
+              <a:rPr lang="en-US" altLang="ja-JP" sz="3200" dirty="0"/>
+              <a:t>Translate </a:t>
+            </a:r>
+            <a:r>
+              <a:rPr lang="en-US" altLang="ja-JP" sz="3200" dirty="0" smtClean="0"/>
+              <a:t>API</a:t>
+            </a:r>
+          </a:p>
+          <a:p>
+            <a:pPr algn="ctr">
+              <a:lnSpc>
+                <a:spcPct val="150000"/>
+              </a:lnSpc>
+            </a:pPr>
+            <a:r>
+              <a:rPr lang="en-US" altLang="ja-JP" sz="3200" dirty="0" smtClean="0"/>
+              <a:t>materialize(</a:t>
+            </a:r>
+            <a:r>
+              <a:rPr lang="en-US" altLang="ja-JP" sz="3200" dirty="0" err="1" smtClean="0"/>
+              <a:t>css</a:t>
+            </a:r>
+            <a:r>
+              <a:rPr lang="en-US" altLang="ja-JP" sz="3200" dirty="0" smtClean="0"/>
+              <a:t>)</a:t>
+            </a:r>
+          </a:p>
+          <a:p>
+            <a:pPr algn="ctr">
+              <a:lnSpc>
+                <a:spcPct val="150000"/>
+              </a:lnSpc>
+            </a:pPr>
+            <a:r>
+              <a:rPr lang="en-US" altLang="ja-JP" sz="3200" dirty="0"/>
+              <a:t>Node.js</a:t>
+            </a:r>
+            <a:endParaRPr lang="ja-JP" altLang="en-US" sz="3200" dirty="0"/>
+          </a:p>
+          <a:p>
+            <a:pPr algn="ctr">
+              <a:lnSpc>
+                <a:spcPct val="150000"/>
+              </a:lnSpc>
+            </a:pPr>
+            <a:endParaRPr lang="ja-JP" altLang="en-US" sz="3200" dirty="0"/>
+          </a:p>
+        </p:txBody>
+      </p:sp>
+      <p:sp>
+        <p:nvSpPr>
+          <p:cNvPr id="6" name="テキスト ボックス 5"/>
+          <p:cNvSpPr txBox="1"/>
+          <p:nvPr/>
+        </p:nvSpPr>
+        <p:spPr>
+          <a:xfrm>
+            <a:off x="-16328" y="1357714"/>
+            <a:ext cx="3461657" cy="4455259"/>
+          </a:xfrm>
+          <a:prstGeom prst="rect">
+            <a:avLst/>
+          </a:prstGeom>
+          <a:noFill/>
+          <a:ln>
+            <a:noFill/>
+          </a:ln>
+        </p:spPr>
+        <p:txBody>
+          <a:bodyPr wrap="square" rtlCol="0">
+            <a:spAutoFit/>
+          </a:bodyPr>
+          <a:lstStyle/>
+          <a:p>
+            <a:pPr algn="ctr">
+              <a:lnSpc>
+                <a:spcPct val="150000"/>
+              </a:lnSpc>
+            </a:pPr>
+            <a:r>
+              <a:rPr lang="ja-JP" altLang="en-US" sz="3200" dirty="0"/>
+              <a:t>・開発言語</a:t>
+            </a:r>
+            <a:endParaRPr lang="en-US" altLang="ja-JP" sz="3200" dirty="0"/>
+          </a:p>
+          <a:p>
+            <a:pPr algn="ctr">
+              <a:lnSpc>
+                <a:spcPct val="150000"/>
+              </a:lnSpc>
+            </a:pPr>
+            <a:r>
+              <a:rPr lang="en-US" altLang="ja-JP" sz="3200" dirty="0"/>
+              <a:t>PHP</a:t>
+            </a:r>
+          </a:p>
+          <a:p>
+            <a:pPr algn="ctr">
+              <a:lnSpc>
+                <a:spcPct val="150000"/>
+              </a:lnSpc>
+            </a:pPr>
+            <a:r>
+              <a:rPr lang="en-US" altLang="ja-JP" sz="3200" dirty="0"/>
+              <a:t>HTML</a:t>
+            </a:r>
+          </a:p>
+          <a:p>
+            <a:pPr algn="ctr">
+              <a:lnSpc>
+                <a:spcPct val="150000"/>
+              </a:lnSpc>
+            </a:pPr>
+            <a:r>
+              <a:rPr lang="en-US" altLang="ja-JP" sz="3200" dirty="0"/>
+              <a:t>CSS</a:t>
+            </a:r>
+          </a:p>
+          <a:p>
+            <a:pPr algn="ctr">
+              <a:lnSpc>
+                <a:spcPct val="150000"/>
+              </a:lnSpc>
+            </a:pPr>
+            <a:r>
+              <a:rPr lang="en-US" altLang="ja-JP" sz="3200" dirty="0"/>
+              <a:t>JavaScript</a:t>
+            </a:r>
+          </a:p>
+          <a:p>
+            <a:pPr algn="ctr">
+              <a:lnSpc>
+                <a:spcPct val="150000"/>
+              </a:lnSpc>
+            </a:pPr>
+            <a:r>
+              <a:rPr lang="en-US" altLang="ja-JP" sz="3200" dirty="0"/>
+              <a:t>SQL</a:t>
+            </a:r>
           </a:p>
         </p:txBody>
       </p:sp>

--- a/テレワークにおけるテレビ会議の改善.pptx
+++ b/テレワークにおけるテレビ会議の改善.pptx
@@ -217,7 +217,7 @@
           <a:p>
             <a:fld id="{3D2BE0AA-D665-4D6A-8867-8ADF0DED9271}" type="datetimeFigureOut">
               <a:rPr kumimoji="1" lang="ja-JP" altLang="en-US" smtClean="0"/>
-              <a:t>2020/7/22</a:t>
+              <a:t>2020/7/27</a:t>
             </a:fld>
             <a:endParaRPr kumimoji="1" lang="ja-JP" altLang="en-US"/>
           </a:p>
@@ -561,48 +561,6 @@
           <a:bodyPr/>
           <a:lstStyle/>
           <a:p>
-            <a:r>
-              <a:rPr kumimoji="1" lang="ja-JP" altLang="en-US" dirty="0" smtClean="0"/>
-              <a:t>昨今の新型コロナの萬栄により、今までのように会社に行って業務を行ったり、学校に行って授業を受けたりできなくなりました。</a:t>
-            </a:r>
-            <a:endParaRPr kumimoji="1" lang="en-US" altLang="ja-JP" dirty="0" smtClean="0"/>
-          </a:p>
-          <a:p>
-            <a:r>
-              <a:rPr kumimoji="1" lang="ja-JP" altLang="en-US" dirty="0" smtClean="0"/>
-              <a:t>そんな中、注目を浴びたのが、</a:t>
-            </a:r>
-            <a:r>
-              <a:rPr kumimoji="1" lang="en-US" altLang="ja-JP" dirty="0" smtClean="0"/>
-              <a:t>zoom</a:t>
-            </a:r>
-            <a:r>
-              <a:rPr kumimoji="1" lang="ja-JP" altLang="en-US" dirty="0" smtClean="0"/>
-              <a:t>や</a:t>
-            </a:r>
-            <a:r>
-              <a:rPr kumimoji="1" lang="en-US" altLang="ja-JP" dirty="0" smtClean="0"/>
-              <a:t>Microsoft Teams</a:t>
-            </a:r>
-            <a:r>
-              <a:rPr kumimoji="1" lang="ja-JP" altLang="en-US" dirty="0" smtClean="0"/>
-              <a:t>などの</a:t>
-            </a:r>
-            <a:r>
-              <a:rPr kumimoji="1" lang="en-US" altLang="ja-JP" dirty="0" smtClean="0"/>
-              <a:t>TV</a:t>
-            </a:r>
-            <a:r>
-              <a:rPr kumimoji="1" lang="ja-JP" altLang="en-US" dirty="0" smtClean="0"/>
-              <a:t>会議です。</a:t>
-            </a:r>
-            <a:endParaRPr kumimoji="1" lang="en-US" altLang="ja-JP" dirty="0" smtClean="0"/>
-          </a:p>
-          <a:p>
-            <a:r>
-              <a:rPr kumimoji="1" lang="ja-JP" altLang="en-US" dirty="0" smtClean="0"/>
-              <a:t>これを使えば、今までのように業務や授業を、自宅にいながらすることができるようになりました。</a:t>
-            </a:r>
             <a:endParaRPr kumimoji="1" lang="ja-JP" altLang="en-US" dirty="0"/>
           </a:p>
         </p:txBody>
@@ -624,7 +582,7 @@
           <a:p>
             <a:fld id="{ABB9DB69-7002-44BD-9491-9EA80847BE53}" type="slidenum">
               <a:rPr kumimoji="1" lang="ja-JP" altLang="en-US" smtClean="0"/>
-              <a:t>2</a:t>
+              <a:t>1</a:t>
             </a:fld>
             <a:endParaRPr kumimoji="1" lang="ja-JP" altLang="en-US"/>
           </a:p>
@@ -633,7 +591,7 @@
     </p:spTree>
     <p:extLst>
       <p:ext uri="{BB962C8B-B14F-4D97-AF65-F5344CB8AC3E}">
-        <p14:creationId xmlns:p14="http://schemas.microsoft.com/office/powerpoint/2010/main" val="1177169695"/>
+        <p14:creationId xmlns:p14="http://schemas.microsoft.com/office/powerpoint/2010/main" val="1950775471"/>
       </p:ext>
     </p:extLst>
   </p:cSld>
@@ -689,6 +647,132 @@
           <a:p>
             <a:r>
               <a:rPr kumimoji="1" lang="ja-JP" altLang="en-US" dirty="0" smtClean="0"/>
+              <a:t>昨今の新型コロナの萬栄により、今までのように会社に行って業務を行ったり、学校に行って授業を受けたりできなくなりました。</a:t>
+            </a:r>
+            <a:endParaRPr kumimoji="1" lang="en-US" altLang="ja-JP" dirty="0" smtClean="0"/>
+          </a:p>
+          <a:p>
+            <a:r>
+              <a:rPr kumimoji="1" lang="ja-JP" altLang="en-US" dirty="0" smtClean="0"/>
+              <a:t>そんな中、注目を浴びたのが、</a:t>
+            </a:r>
+            <a:r>
+              <a:rPr kumimoji="1" lang="en-US" altLang="ja-JP" dirty="0" smtClean="0"/>
+              <a:t>zoom</a:t>
+            </a:r>
+            <a:r>
+              <a:rPr kumimoji="1" lang="ja-JP" altLang="en-US" dirty="0" smtClean="0"/>
+              <a:t>や</a:t>
+            </a:r>
+            <a:r>
+              <a:rPr kumimoji="1" lang="en-US" altLang="ja-JP" dirty="0" smtClean="0"/>
+              <a:t>Microsoft Teams</a:t>
+            </a:r>
+            <a:r>
+              <a:rPr kumimoji="1" lang="ja-JP" altLang="en-US" dirty="0" smtClean="0"/>
+              <a:t>などの</a:t>
+            </a:r>
+            <a:r>
+              <a:rPr kumimoji="1" lang="en-US" altLang="ja-JP" dirty="0" smtClean="0"/>
+              <a:t>TV</a:t>
+            </a:r>
+            <a:r>
+              <a:rPr kumimoji="1" lang="ja-JP" altLang="en-US" dirty="0" smtClean="0"/>
+              <a:t>会議です。</a:t>
+            </a:r>
+            <a:endParaRPr kumimoji="1" lang="en-US" altLang="ja-JP" dirty="0" smtClean="0"/>
+          </a:p>
+          <a:p>
+            <a:r>
+              <a:rPr kumimoji="1" lang="ja-JP" altLang="en-US" dirty="0" smtClean="0"/>
+              <a:t>これを使えば、今までのように業務や授業を、自宅にいながらすることができるようになりました。</a:t>
+            </a:r>
+            <a:endParaRPr kumimoji="1" lang="ja-JP" altLang="en-US" dirty="0"/>
+          </a:p>
+        </p:txBody>
+      </p:sp>
+      <p:sp>
+        <p:nvSpPr>
+          <p:cNvPr id="4" name="スライド番号プレースホルダー 3"/>
+          <p:cNvSpPr>
+            <a:spLocks noGrp="1"/>
+          </p:cNvSpPr>
+          <p:nvPr>
+            <p:ph type="sldNum" sz="quarter" idx="10"/>
+          </p:nvPr>
+        </p:nvSpPr>
+        <p:spPr/>
+        <p:txBody>
+          <a:bodyPr/>
+          <a:lstStyle/>
+          <a:p>
+            <a:fld id="{ABB9DB69-7002-44BD-9491-9EA80847BE53}" type="slidenum">
+              <a:rPr kumimoji="1" lang="ja-JP" altLang="en-US" smtClean="0"/>
+              <a:t>2</a:t>
+            </a:fld>
+            <a:endParaRPr kumimoji="1" lang="ja-JP" altLang="en-US"/>
+          </a:p>
+        </p:txBody>
+      </p:sp>
+    </p:spTree>
+    <p:extLst>
+      <p:ext uri="{BB962C8B-B14F-4D97-AF65-F5344CB8AC3E}">
+        <p14:creationId xmlns:p14="http://schemas.microsoft.com/office/powerpoint/2010/main" val="1177169695"/>
+      </p:ext>
+    </p:extLst>
+  </p:cSld>
+  <p:clrMapOvr>
+    <a:masterClrMapping/>
+  </p:clrMapOvr>
+</p:notes>
+</file>
+
+<file path=ppt/notesSlides/notesSlide3.xml><?xml version="1.0" encoding="utf-8"?>
+<p:notes xmlns:a="http://schemas.openxmlformats.org/drawingml/2006/main" xmlns:r="http://schemas.openxmlformats.org/officeDocument/2006/relationships" xmlns:p="http://schemas.openxmlformats.org/presentationml/2006/main">
+  <p:cSld>
+    <p:spTree>
+      <p:nvGrpSpPr>
+        <p:cNvPr id="1" name=""/>
+        <p:cNvGrpSpPr/>
+        <p:nvPr/>
+      </p:nvGrpSpPr>
+      <p:grpSpPr>
+        <a:xfrm>
+          <a:off x="0" y="0"/>
+          <a:ext cx="0" cy="0"/>
+          <a:chOff x="0" y="0"/>
+          <a:chExt cx="0" cy="0"/>
+        </a:xfrm>
+      </p:grpSpPr>
+      <p:sp>
+        <p:nvSpPr>
+          <p:cNvPr id="2" name="スライド イメージ プレースホルダー 1"/>
+          <p:cNvSpPr>
+            <a:spLocks noGrp="1" noRot="1" noChangeAspect="1"/>
+          </p:cNvSpPr>
+          <p:nvPr>
+            <p:ph type="sldImg"/>
+          </p:nvPr>
+        </p:nvSpPr>
+        <p:spPr/>
+      </p:sp>
+      <p:sp>
+        <p:nvSpPr>
+          <p:cNvPr id="3" name="ノート プレースホルダー 2"/>
+          <p:cNvSpPr>
+            <a:spLocks noGrp="1"/>
+          </p:cNvSpPr>
+          <p:nvPr>
+            <p:ph type="body" idx="1"/>
+          </p:nvPr>
+        </p:nvSpPr>
+        <p:spPr/>
+        <p:txBody>
+          <a:bodyPr/>
+          <a:lstStyle/>
+          <a:p>
+            <a:r>
+              <a:rPr kumimoji="1" lang="ja-JP" altLang="en-US" dirty="0" smtClean="0"/>
               <a:t>しかし、</a:t>
             </a:r>
             <a:r>
@@ -862,7 +946,7 @@
 </p:notes>
 </file>
 
-<file path=ppt/notesSlides/notesSlide3.xml><?xml version="1.0" encoding="utf-8"?>
+<file path=ppt/notesSlides/notesSlide4.xml><?xml version="1.0" encoding="utf-8"?>
 <p:notes xmlns:a="http://schemas.openxmlformats.org/drawingml/2006/main" xmlns:r="http://schemas.openxmlformats.org/officeDocument/2006/relationships" xmlns:p="http://schemas.openxmlformats.org/presentationml/2006/main">
   <p:cSld>
     <p:spTree>
@@ -1208,7 +1292,7 @@
           <a:p>
             <a:fld id="{C841EE43-7B92-460A-B30E-520B486F8410}" type="datetimeFigureOut">
               <a:rPr kumimoji="1" lang="ja-JP" altLang="en-US" smtClean="0"/>
-              <a:t>2020/7/22</a:t>
+              <a:t>2020/7/27</a:t>
             </a:fld>
             <a:endParaRPr kumimoji="1" lang="ja-JP" altLang="en-US"/>
           </a:p>
@@ -1410,7 +1494,7 @@
           <a:p>
             <a:fld id="{C841EE43-7B92-460A-B30E-520B486F8410}" type="datetimeFigureOut">
               <a:rPr kumimoji="1" lang="ja-JP" altLang="en-US" smtClean="0"/>
-              <a:t>2020/7/22</a:t>
+              <a:t>2020/7/27</a:t>
             </a:fld>
             <a:endParaRPr kumimoji="1" lang="ja-JP" altLang="en-US"/>
           </a:p>
@@ -1622,7 +1706,7 @@
           <a:p>
             <a:fld id="{C841EE43-7B92-460A-B30E-520B486F8410}" type="datetimeFigureOut">
               <a:rPr kumimoji="1" lang="ja-JP" altLang="en-US" smtClean="0"/>
-              <a:t>2020/7/22</a:t>
+              <a:t>2020/7/27</a:t>
             </a:fld>
             <a:endParaRPr kumimoji="1" lang="ja-JP" altLang="en-US"/>
           </a:p>
@@ -1824,7 +1908,7 @@
           <a:p>
             <a:fld id="{C841EE43-7B92-460A-B30E-520B486F8410}" type="datetimeFigureOut">
               <a:rPr kumimoji="1" lang="ja-JP" altLang="en-US" smtClean="0"/>
-              <a:t>2020/7/22</a:t>
+              <a:t>2020/7/27</a:t>
             </a:fld>
             <a:endParaRPr kumimoji="1" lang="ja-JP" altLang="en-US"/>
           </a:p>
@@ -2070,7 +2154,7 @@
           <a:p>
             <a:fld id="{C841EE43-7B92-460A-B30E-520B486F8410}" type="datetimeFigureOut">
               <a:rPr kumimoji="1" lang="ja-JP" altLang="en-US" smtClean="0"/>
-              <a:t>2020/7/22</a:t>
+              <a:t>2020/7/27</a:t>
             </a:fld>
             <a:endParaRPr kumimoji="1" lang="ja-JP" altLang="en-US"/>
           </a:p>
@@ -2366,7 +2450,7 @@
           <a:p>
             <a:fld id="{C841EE43-7B92-460A-B30E-520B486F8410}" type="datetimeFigureOut">
               <a:rPr kumimoji="1" lang="ja-JP" altLang="en-US" smtClean="0"/>
-              <a:t>2020/7/22</a:t>
+              <a:t>2020/7/27</a:t>
             </a:fld>
             <a:endParaRPr kumimoji="1" lang="ja-JP" altLang="en-US"/>
           </a:p>
@@ -2797,7 +2881,7 @@
           <a:p>
             <a:fld id="{C841EE43-7B92-460A-B30E-520B486F8410}" type="datetimeFigureOut">
               <a:rPr kumimoji="1" lang="ja-JP" altLang="en-US" smtClean="0"/>
-              <a:t>2020/7/22</a:t>
+              <a:t>2020/7/27</a:t>
             </a:fld>
             <a:endParaRPr kumimoji="1" lang="ja-JP" altLang="en-US"/>
           </a:p>
@@ -2915,7 +2999,7 @@
           <a:p>
             <a:fld id="{C841EE43-7B92-460A-B30E-520B486F8410}" type="datetimeFigureOut">
               <a:rPr kumimoji="1" lang="ja-JP" altLang="en-US" smtClean="0"/>
-              <a:t>2020/7/22</a:t>
+              <a:t>2020/7/27</a:t>
             </a:fld>
             <a:endParaRPr kumimoji="1" lang="ja-JP" altLang="en-US"/>
           </a:p>
@@ -3010,7 +3094,7 @@
           <a:p>
             <a:fld id="{C841EE43-7B92-460A-B30E-520B486F8410}" type="datetimeFigureOut">
               <a:rPr kumimoji="1" lang="ja-JP" altLang="en-US" smtClean="0"/>
-              <a:t>2020/7/22</a:t>
+              <a:t>2020/7/27</a:t>
             </a:fld>
             <a:endParaRPr kumimoji="1" lang="ja-JP" altLang="en-US"/>
           </a:p>
@@ -3319,7 +3403,7 @@
           <a:p>
             <a:fld id="{C841EE43-7B92-460A-B30E-520B486F8410}" type="datetimeFigureOut">
               <a:rPr kumimoji="1" lang="ja-JP" altLang="en-US" smtClean="0"/>
-              <a:t>2020/7/22</a:t>
+              <a:t>2020/7/27</a:t>
             </a:fld>
             <a:endParaRPr kumimoji="1" lang="ja-JP" altLang="en-US"/>
           </a:p>
@@ -3572,7 +3656,7 @@
           <a:p>
             <a:fld id="{C841EE43-7B92-460A-B30E-520B486F8410}" type="datetimeFigureOut">
               <a:rPr kumimoji="1" lang="ja-JP" altLang="en-US" smtClean="0"/>
-              <a:t>2020/7/22</a:t>
+              <a:t>2020/7/27</a:t>
             </a:fld>
             <a:endParaRPr kumimoji="1" lang="ja-JP" altLang="en-US"/>
           </a:p>
@@ -3817,7 +3901,7 @@
           <a:p>
             <a:fld id="{C841EE43-7B92-460A-B30E-520B486F8410}" type="datetimeFigureOut">
               <a:rPr kumimoji="1" lang="ja-JP" altLang="en-US" smtClean="0"/>
-              <a:t>2020/7/22</a:t>
+              <a:t>2020/7/27</a:t>
             </a:fld>
             <a:endParaRPr kumimoji="1" lang="ja-JP" altLang="en-US"/>
           </a:p>
@@ -4264,15 +4348,21 @@
         </p:nvSpPr>
         <p:spPr>
           <a:xfrm>
-            <a:off x="1524000" y="2487168"/>
-            <a:ext cx="8955024" cy="2770632"/>
+            <a:off x="659842" y="2256055"/>
+            <a:ext cx="4494962" cy="3883487"/>
           </a:xfrm>
         </p:spPr>
         <p:txBody>
-          <a:bodyPr/>
+          <a:bodyPr>
+            <a:normAutofit/>
+          </a:bodyPr>
           <a:lstStyle/>
           <a:p>
-            <a:pPr algn="l"/>
+            <a:pPr algn="l">
+              <a:lnSpc>
+                <a:spcPct val="150000"/>
+              </a:lnSpc>
+            </a:pPr>
             <a:r>
               <a:rPr kumimoji="1" lang="ja-JP" altLang="en-US" dirty="0" smtClean="0"/>
               <a:t>チーム名：コスモ</a:t>
@@ -4280,7 +4370,11 @@
             <a:endParaRPr kumimoji="1" lang="en-US" altLang="ja-JP" dirty="0" smtClean="0"/>
           </a:p>
           <a:p>
-            <a:pPr algn="l"/>
+            <a:pPr algn="l">
+              <a:lnSpc>
+                <a:spcPct val="150000"/>
+              </a:lnSpc>
+            </a:pPr>
             <a:r>
               <a:rPr kumimoji="1" lang="ja-JP" altLang="en-US" dirty="0" smtClean="0"/>
               <a:t>リーダー　　　</a:t>
@@ -4295,7 +4389,11 @@
             </a:r>
           </a:p>
           <a:p>
-            <a:pPr algn="l"/>
+            <a:pPr algn="l">
+              <a:lnSpc>
+                <a:spcPct val="150000"/>
+              </a:lnSpc>
+            </a:pPr>
             <a:r>
               <a:rPr lang="ja-JP" altLang="en-US" dirty="0" smtClean="0"/>
               <a:t>プログラマー　</a:t>
@@ -4310,7 +4408,11 @@
             </a:r>
           </a:p>
           <a:p>
-            <a:pPr algn="l"/>
+            <a:pPr algn="l">
+              <a:lnSpc>
+                <a:spcPct val="150000"/>
+              </a:lnSpc>
+            </a:pPr>
             <a:r>
               <a:rPr lang="ja-JP" altLang="en-US" dirty="0" smtClean="0"/>
               <a:t>プログラマー　</a:t>
@@ -4325,13 +4427,17 @@
             </a:r>
           </a:p>
           <a:p>
-            <a:pPr algn="l"/>
-            <a:r>
-              <a:rPr lang="ja-JP" altLang="en-US" smtClean="0"/>
+            <a:pPr algn="l">
+              <a:lnSpc>
+                <a:spcPct val="150000"/>
+              </a:lnSpc>
+            </a:pPr>
+            <a:r>
+              <a:rPr lang="ja-JP" altLang="en-US" dirty="0" smtClean="0"/>
               <a:t>プログラマー　</a:t>
             </a:r>
             <a:r>
-              <a:rPr lang="ja-JP" altLang="ja-JP" smtClean="0"/>
+              <a:rPr lang="ja-JP" altLang="ja-JP" dirty="0" smtClean="0"/>
               <a:t>岡崎</a:t>
             </a:r>
             <a:r>
@@ -4340,7 +4446,11 @@
             </a:r>
           </a:p>
           <a:p>
-            <a:pPr algn="l"/>
+            <a:pPr algn="l">
+              <a:lnSpc>
+                <a:spcPct val="150000"/>
+              </a:lnSpc>
+            </a:pPr>
             <a:endParaRPr kumimoji="1" lang="ja-JP" altLang="en-US" dirty="0"/>
           </a:p>
         </p:txBody>

--- a/テレワークにおけるテレビ会議の改善.pptx
+++ b/テレワークにおけるテレビ会議の改善.pptx
@@ -217,7 +217,7 @@
           <a:p>
             <a:fld id="{3D2BE0AA-D665-4D6A-8867-8ADF0DED9271}" type="datetimeFigureOut">
               <a:rPr kumimoji="1" lang="ja-JP" altLang="en-US" smtClean="0"/>
-              <a:t>2020/7/27</a:t>
+              <a:t>2020/7/22</a:t>
             </a:fld>
             <a:endParaRPr kumimoji="1" lang="ja-JP" altLang="en-US"/>
           </a:p>
@@ -561,6 +561,48 @@
           <a:bodyPr/>
           <a:lstStyle/>
           <a:p>
+            <a:r>
+              <a:rPr kumimoji="1" lang="ja-JP" altLang="en-US" dirty="0" smtClean="0"/>
+              <a:t>昨今の新型コロナの萬栄により、今までのように会社に行って業務を行ったり、学校に行って授業を受けたりできなくなりました。</a:t>
+            </a:r>
+            <a:endParaRPr kumimoji="1" lang="en-US" altLang="ja-JP" dirty="0" smtClean="0"/>
+          </a:p>
+          <a:p>
+            <a:r>
+              <a:rPr kumimoji="1" lang="ja-JP" altLang="en-US" dirty="0" smtClean="0"/>
+              <a:t>そんな中、注目を浴びたのが、</a:t>
+            </a:r>
+            <a:r>
+              <a:rPr kumimoji="1" lang="en-US" altLang="ja-JP" dirty="0" smtClean="0"/>
+              <a:t>zoom</a:t>
+            </a:r>
+            <a:r>
+              <a:rPr kumimoji="1" lang="ja-JP" altLang="en-US" dirty="0" smtClean="0"/>
+              <a:t>や</a:t>
+            </a:r>
+            <a:r>
+              <a:rPr kumimoji="1" lang="en-US" altLang="ja-JP" dirty="0" smtClean="0"/>
+              <a:t>Microsoft Teams</a:t>
+            </a:r>
+            <a:r>
+              <a:rPr kumimoji="1" lang="ja-JP" altLang="en-US" dirty="0" smtClean="0"/>
+              <a:t>などの</a:t>
+            </a:r>
+            <a:r>
+              <a:rPr kumimoji="1" lang="en-US" altLang="ja-JP" dirty="0" smtClean="0"/>
+              <a:t>TV</a:t>
+            </a:r>
+            <a:r>
+              <a:rPr kumimoji="1" lang="ja-JP" altLang="en-US" dirty="0" smtClean="0"/>
+              <a:t>会議です。</a:t>
+            </a:r>
+            <a:endParaRPr kumimoji="1" lang="en-US" altLang="ja-JP" dirty="0" smtClean="0"/>
+          </a:p>
+          <a:p>
+            <a:r>
+              <a:rPr kumimoji="1" lang="ja-JP" altLang="en-US" dirty="0" smtClean="0"/>
+              <a:t>これを使えば、今までのように業務や授業を、自宅にいながらすることができるようになりました。</a:t>
+            </a:r>
             <a:endParaRPr kumimoji="1" lang="ja-JP" altLang="en-US" dirty="0"/>
           </a:p>
         </p:txBody>
@@ -582,7 +624,7 @@
           <a:p>
             <a:fld id="{ABB9DB69-7002-44BD-9491-9EA80847BE53}" type="slidenum">
               <a:rPr kumimoji="1" lang="ja-JP" altLang="en-US" smtClean="0"/>
-              <a:t>1</a:t>
+              <a:t>2</a:t>
             </a:fld>
             <a:endParaRPr kumimoji="1" lang="ja-JP" altLang="en-US"/>
           </a:p>
@@ -591,7 +633,7 @@
     </p:spTree>
     <p:extLst>
       <p:ext uri="{BB962C8B-B14F-4D97-AF65-F5344CB8AC3E}">
-        <p14:creationId xmlns:p14="http://schemas.microsoft.com/office/powerpoint/2010/main" val="1950775471"/>
+        <p14:creationId xmlns:p14="http://schemas.microsoft.com/office/powerpoint/2010/main" val="1177169695"/>
       </p:ext>
     </p:extLst>
   </p:cSld>
@@ -647,132 +689,6 @@
           <a:p>
             <a:r>
               <a:rPr kumimoji="1" lang="ja-JP" altLang="en-US" dirty="0" smtClean="0"/>
-              <a:t>昨今の新型コロナの萬栄により、今までのように会社に行って業務を行ったり、学校に行って授業を受けたりできなくなりました。</a:t>
-            </a:r>
-            <a:endParaRPr kumimoji="1" lang="en-US" altLang="ja-JP" dirty="0" smtClean="0"/>
-          </a:p>
-          <a:p>
-            <a:r>
-              <a:rPr kumimoji="1" lang="ja-JP" altLang="en-US" dirty="0" smtClean="0"/>
-              <a:t>そんな中、注目を浴びたのが、</a:t>
-            </a:r>
-            <a:r>
-              <a:rPr kumimoji="1" lang="en-US" altLang="ja-JP" dirty="0" smtClean="0"/>
-              <a:t>zoom</a:t>
-            </a:r>
-            <a:r>
-              <a:rPr kumimoji="1" lang="ja-JP" altLang="en-US" dirty="0" smtClean="0"/>
-              <a:t>や</a:t>
-            </a:r>
-            <a:r>
-              <a:rPr kumimoji="1" lang="en-US" altLang="ja-JP" dirty="0" smtClean="0"/>
-              <a:t>Microsoft Teams</a:t>
-            </a:r>
-            <a:r>
-              <a:rPr kumimoji="1" lang="ja-JP" altLang="en-US" dirty="0" smtClean="0"/>
-              <a:t>などの</a:t>
-            </a:r>
-            <a:r>
-              <a:rPr kumimoji="1" lang="en-US" altLang="ja-JP" dirty="0" smtClean="0"/>
-              <a:t>TV</a:t>
-            </a:r>
-            <a:r>
-              <a:rPr kumimoji="1" lang="ja-JP" altLang="en-US" dirty="0" smtClean="0"/>
-              <a:t>会議です。</a:t>
-            </a:r>
-            <a:endParaRPr kumimoji="1" lang="en-US" altLang="ja-JP" dirty="0" smtClean="0"/>
-          </a:p>
-          <a:p>
-            <a:r>
-              <a:rPr kumimoji="1" lang="ja-JP" altLang="en-US" dirty="0" smtClean="0"/>
-              <a:t>これを使えば、今までのように業務や授業を、自宅にいながらすることができるようになりました。</a:t>
-            </a:r>
-            <a:endParaRPr kumimoji="1" lang="ja-JP" altLang="en-US" dirty="0"/>
-          </a:p>
-        </p:txBody>
-      </p:sp>
-      <p:sp>
-        <p:nvSpPr>
-          <p:cNvPr id="4" name="スライド番号プレースホルダー 3"/>
-          <p:cNvSpPr>
-            <a:spLocks noGrp="1"/>
-          </p:cNvSpPr>
-          <p:nvPr>
-            <p:ph type="sldNum" sz="quarter" idx="10"/>
-          </p:nvPr>
-        </p:nvSpPr>
-        <p:spPr/>
-        <p:txBody>
-          <a:bodyPr/>
-          <a:lstStyle/>
-          <a:p>
-            <a:fld id="{ABB9DB69-7002-44BD-9491-9EA80847BE53}" type="slidenum">
-              <a:rPr kumimoji="1" lang="ja-JP" altLang="en-US" smtClean="0"/>
-              <a:t>2</a:t>
-            </a:fld>
-            <a:endParaRPr kumimoji="1" lang="ja-JP" altLang="en-US"/>
-          </a:p>
-        </p:txBody>
-      </p:sp>
-    </p:spTree>
-    <p:extLst>
-      <p:ext uri="{BB962C8B-B14F-4D97-AF65-F5344CB8AC3E}">
-        <p14:creationId xmlns:p14="http://schemas.microsoft.com/office/powerpoint/2010/main" val="1177169695"/>
-      </p:ext>
-    </p:extLst>
-  </p:cSld>
-  <p:clrMapOvr>
-    <a:masterClrMapping/>
-  </p:clrMapOvr>
-</p:notes>
-</file>
-
-<file path=ppt/notesSlides/notesSlide3.xml><?xml version="1.0" encoding="utf-8"?>
-<p:notes xmlns:a="http://schemas.openxmlformats.org/drawingml/2006/main" xmlns:r="http://schemas.openxmlformats.org/officeDocument/2006/relationships" xmlns:p="http://schemas.openxmlformats.org/presentationml/2006/main">
-  <p:cSld>
-    <p:spTree>
-      <p:nvGrpSpPr>
-        <p:cNvPr id="1" name=""/>
-        <p:cNvGrpSpPr/>
-        <p:nvPr/>
-      </p:nvGrpSpPr>
-      <p:grpSpPr>
-        <a:xfrm>
-          <a:off x="0" y="0"/>
-          <a:ext cx="0" cy="0"/>
-          <a:chOff x="0" y="0"/>
-          <a:chExt cx="0" cy="0"/>
-        </a:xfrm>
-      </p:grpSpPr>
-      <p:sp>
-        <p:nvSpPr>
-          <p:cNvPr id="2" name="スライド イメージ プレースホルダー 1"/>
-          <p:cNvSpPr>
-            <a:spLocks noGrp="1" noRot="1" noChangeAspect="1"/>
-          </p:cNvSpPr>
-          <p:nvPr>
-            <p:ph type="sldImg"/>
-          </p:nvPr>
-        </p:nvSpPr>
-        <p:spPr/>
-      </p:sp>
-      <p:sp>
-        <p:nvSpPr>
-          <p:cNvPr id="3" name="ノート プレースホルダー 2"/>
-          <p:cNvSpPr>
-            <a:spLocks noGrp="1"/>
-          </p:cNvSpPr>
-          <p:nvPr>
-            <p:ph type="body" idx="1"/>
-          </p:nvPr>
-        </p:nvSpPr>
-        <p:spPr/>
-        <p:txBody>
-          <a:bodyPr/>
-          <a:lstStyle/>
-          <a:p>
-            <a:r>
-              <a:rPr kumimoji="1" lang="ja-JP" altLang="en-US" dirty="0" smtClean="0"/>
               <a:t>しかし、</a:t>
             </a:r>
             <a:r>
@@ -946,7 +862,7 @@
 </p:notes>
 </file>
 
-<file path=ppt/notesSlides/notesSlide4.xml><?xml version="1.0" encoding="utf-8"?>
+<file path=ppt/notesSlides/notesSlide3.xml><?xml version="1.0" encoding="utf-8"?>
 <p:notes xmlns:a="http://schemas.openxmlformats.org/drawingml/2006/main" xmlns:r="http://schemas.openxmlformats.org/officeDocument/2006/relationships" xmlns:p="http://schemas.openxmlformats.org/presentationml/2006/main">
   <p:cSld>
     <p:spTree>
@@ -1292,7 +1208,7 @@
           <a:p>
             <a:fld id="{C841EE43-7B92-460A-B30E-520B486F8410}" type="datetimeFigureOut">
               <a:rPr kumimoji="1" lang="ja-JP" altLang="en-US" smtClean="0"/>
-              <a:t>2020/7/27</a:t>
+              <a:t>2020/7/22</a:t>
             </a:fld>
             <a:endParaRPr kumimoji="1" lang="ja-JP" altLang="en-US"/>
           </a:p>
@@ -1494,7 +1410,7 @@
           <a:p>
             <a:fld id="{C841EE43-7B92-460A-B30E-520B486F8410}" type="datetimeFigureOut">
               <a:rPr kumimoji="1" lang="ja-JP" altLang="en-US" smtClean="0"/>
-              <a:t>2020/7/27</a:t>
+              <a:t>2020/7/22</a:t>
             </a:fld>
             <a:endParaRPr kumimoji="1" lang="ja-JP" altLang="en-US"/>
           </a:p>
@@ -1706,7 +1622,7 @@
           <a:p>
             <a:fld id="{C841EE43-7B92-460A-B30E-520B486F8410}" type="datetimeFigureOut">
               <a:rPr kumimoji="1" lang="ja-JP" altLang="en-US" smtClean="0"/>
-              <a:t>2020/7/27</a:t>
+              <a:t>2020/7/22</a:t>
             </a:fld>
             <a:endParaRPr kumimoji="1" lang="ja-JP" altLang="en-US"/>
           </a:p>
@@ -1908,7 +1824,7 @@
           <a:p>
             <a:fld id="{C841EE43-7B92-460A-B30E-520B486F8410}" type="datetimeFigureOut">
               <a:rPr kumimoji="1" lang="ja-JP" altLang="en-US" smtClean="0"/>
-              <a:t>2020/7/27</a:t>
+              <a:t>2020/7/22</a:t>
             </a:fld>
             <a:endParaRPr kumimoji="1" lang="ja-JP" altLang="en-US"/>
           </a:p>
@@ -2154,7 +2070,7 @@
           <a:p>
             <a:fld id="{C841EE43-7B92-460A-B30E-520B486F8410}" type="datetimeFigureOut">
               <a:rPr kumimoji="1" lang="ja-JP" altLang="en-US" smtClean="0"/>
-              <a:t>2020/7/27</a:t>
+              <a:t>2020/7/22</a:t>
             </a:fld>
             <a:endParaRPr kumimoji="1" lang="ja-JP" altLang="en-US"/>
           </a:p>
@@ -2450,7 +2366,7 @@
           <a:p>
             <a:fld id="{C841EE43-7B92-460A-B30E-520B486F8410}" type="datetimeFigureOut">
               <a:rPr kumimoji="1" lang="ja-JP" altLang="en-US" smtClean="0"/>
-              <a:t>2020/7/27</a:t>
+              <a:t>2020/7/22</a:t>
             </a:fld>
             <a:endParaRPr kumimoji="1" lang="ja-JP" altLang="en-US"/>
           </a:p>
@@ -2881,7 +2797,7 @@
           <a:p>
             <a:fld id="{C841EE43-7B92-460A-B30E-520B486F8410}" type="datetimeFigureOut">
               <a:rPr kumimoji="1" lang="ja-JP" altLang="en-US" smtClean="0"/>
-              <a:t>2020/7/27</a:t>
+              <a:t>2020/7/22</a:t>
             </a:fld>
             <a:endParaRPr kumimoji="1" lang="ja-JP" altLang="en-US"/>
           </a:p>
@@ -2999,7 +2915,7 @@
           <a:p>
             <a:fld id="{C841EE43-7B92-460A-B30E-520B486F8410}" type="datetimeFigureOut">
               <a:rPr kumimoji="1" lang="ja-JP" altLang="en-US" smtClean="0"/>
-              <a:t>2020/7/27</a:t>
+              <a:t>2020/7/22</a:t>
             </a:fld>
             <a:endParaRPr kumimoji="1" lang="ja-JP" altLang="en-US"/>
           </a:p>
@@ -3094,7 +3010,7 @@
           <a:p>
             <a:fld id="{C841EE43-7B92-460A-B30E-520B486F8410}" type="datetimeFigureOut">
               <a:rPr kumimoji="1" lang="ja-JP" altLang="en-US" smtClean="0"/>
-              <a:t>2020/7/27</a:t>
+              <a:t>2020/7/22</a:t>
             </a:fld>
             <a:endParaRPr kumimoji="1" lang="ja-JP" altLang="en-US"/>
           </a:p>
@@ -3403,7 +3319,7 @@
           <a:p>
             <a:fld id="{C841EE43-7B92-460A-B30E-520B486F8410}" type="datetimeFigureOut">
               <a:rPr kumimoji="1" lang="ja-JP" altLang="en-US" smtClean="0"/>
-              <a:t>2020/7/27</a:t>
+              <a:t>2020/7/22</a:t>
             </a:fld>
             <a:endParaRPr kumimoji="1" lang="ja-JP" altLang="en-US"/>
           </a:p>
@@ -3656,7 +3572,7 @@
           <a:p>
             <a:fld id="{C841EE43-7B92-460A-B30E-520B486F8410}" type="datetimeFigureOut">
               <a:rPr kumimoji="1" lang="ja-JP" altLang="en-US" smtClean="0"/>
-              <a:t>2020/7/27</a:t>
+              <a:t>2020/7/22</a:t>
             </a:fld>
             <a:endParaRPr kumimoji="1" lang="ja-JP" altLang="en-US"/>
           </a:p>
@@ -3901,7 +3817,7 @@
           <a:p>
             <a:fld id="{C841EE43-7B92-460A-B30E-520B486F8410}" type="datetimeFigureOut">
               <a:rPr kumimoji="1" lang="ja-JP" altLang="en-US" smtClean="0"/>
-              <a:t>2020/7/27</a:t>
+              <a:t>2020/7/22</a:t>
             </a:fld>
             <a:endParaRPr kumimoji="1" lang="ja-JP" altLang="en-US"/>
           </a:p>
@@ -4348,21 +4264,15 @@
         </p:nvSpPr>
         <p:spPr>
           <a:xfrm>
-            <a:off x="659842" y="2256055"/>
-            <a:ext cx="4494962" cy="3883487"/>
+            <a:off x="1524000" y="2487168"/>
+            <a:ext cx="8955024" cy="2770632"/>
           </a:xfrm>
         </p:spPr>
         <p:txBody>
-          <a:bodyPr>
-            <a:normAutofit/>
-          </a:bodyPr>
+          <a:bodyPr/>
           <a:lstStyle/>
           <a:p>
-            <a:pPr algn="l">
-              <a:lnSpc>
-                <a:spcPct val="150000"/>
-              </a:lnSpc>
-            </a:pPr>
+            <a:pPr algn="l"/>
             <a:r>
               <a:rPr kumimoji="1" lang="ja-JP" altLang="en-US" dirty="0" smtClean="0"/>
               <a:t>チーム名：コスモ</a:t>
@@ -4370,11 +4280,7 @@
             <a:endParaRPr kumimoji="1" lang="en-US" altLang="ja-JP" dirty="0" smtClean="0"/>
           </a:p>
           <a:p>
-            <a:pPr algn="l">
-              <a:lnSpc>
-                <a:spcPct val="150000"/>
-              </a:lnSpc>
-            </a:pPr>
+            <a:pPr algn="l"/>
             <a:r>
               <a:rPr kumimoji="1" lang="ja-JP" altLang="en-US" dirty="0" smtClean="0"/>
               <a:t>リーダー　　　</a:t>
@@ -4389,11 +4295,7 @@
             </a:r>
           </a:p>
           <a:p>
-            <a:pPr algn="l">
-              <a:lnSpc>
-                <a:spcPct val="150000"/>
-              </a:lnSpc>
-            </a:pPr>
+            <a:pPr algn="l"/>
             <a:r>
               <a:rPr lang="ja-JP" altLang="en-US" dirty="0" smtClean="0"/>
               <a:t>プログラマー　</a:t>
@@ -4408,11 +4310,7 @@
             </a:r>
           </a:p>
           <a:p>
-            <a:pPr algn="l">
-              <a:lnSpc>
-                <a:spcPct val="150000"/>
-              </a:lnSpc>
-            </a:pPr>
+            <a:pPr algn="l"/>
             <a:r>
               <a:rPr lang="ja-JP" altLang="en-US" dirty="0" smtClean="0"/>
               <a:t>プログラマー　</a:t>
@@ -4427,17 +4325,13 @@
             </a:r>
           </a:p>
           <a:p>
-            <a:pPr algn="l">
-              <a:lnSpc>
-                <a:spcPct val="150000"/>
-              </a:lnSpc>
-            </a:pPr>
-            <a:r>
-              <a:rPr lang="ja-JP" altLang="en-US" dirty="0" smtClean="0"/>
+            <a:pPr algn="l"/>
+            <a:r>
+              <a:rPr lang="ja-JP" altLang="en-US" smtClean="0"/>
               <a:t>プログラマー　</a:t>
             </a:r>
             <a:r>
-              <a:rPr lang="ja-JP" altLang="ja-JP" dirty="0" smtClean="0"/>
+              <a:rPr lang="ja-JP" altLang="ja-JP" smtClean="0"/>
               <a:t>岡崎</a:t>
             </a:r>
             <a:r>
@@ -4446,11 +4340,7 @@
             </a:r>
           </a:p>
           <a:p>
-            <a:pPr algn="l">
-              <a:lnSpc>
-                <a:spcPct val="150000"/>
-              </a:lnSpc>
-            </a:pPr>
+            <a:pPr algn="l"/>
             <a:endParaRPr kumimoji="1" lang="ja-JP" altLang="en-US" dirty="0"/>
           </a:p>
         </p:txBody>
